--- a/mlu-mlta/Lessons/DEV_MLUMLA-EN-M3-L2.pptx
+++ b/mlu-mlta/Lessons/DEV_MLUMLA-EN-M3-L2.pptx
@@ -563,6 +563,7 @@
     </c:plotArea>
     <c:plotVisOnly val="1"/>
     <c:dispBlanksAs val="gap"/>
+    <c:showDLblsOverMax val="0"/>
     <c:extLst>
       <c:ext xmlns:c16r3="http://schemas.microsoft.com/office/drawing/2017/03/chart" uri="{56B9EC1D-385E-4148-901F-78D8002777C0}">
         <c16r3:dataDisplayOptions16>
@@ -570,7 +571,6 @@
         </c16r3:dataDisplayOptions16>
       </c:ext>
     </c:extLst>
-    <c:showDLblsOverMax val="0"/>
   </c:chart>
   <c:spPr>
     <a:noFill/>
@@ -1035,6 +1035,7 @@
     </c:plotArea>
     <c:plotVisOnly val="1"/>
     <c:dispBlanksAs val="gap"/>
+    <c:showDLblsOverMax val="0"/>
     <c:extLst>
       <c:ext xmlns:c16r3="http://schemas.microsoft.com/office/drawing/2017/03/chart" uri="{56B9EC1D-385E-4148-901F-78D8002777C0}">
         <c16r3:dataDisplayOptions16>
@@ -1042,7 +1043,6 @@
         </c16r3:dataDisplayOptions16>
       </c:ext>
     </c:extLst>
-    <c:showDLblsOverMax val="0"/>
   </c:chart>
   <c:spPr>
     <a:noFill/>
@@ -1525,6 +1525,7 @@
     </c:plotArea>
     <c:plotVisOnly val="1"/>
     <c:dispBlanksAs val="gap"/>
+    <c:showDLblsOverMax val="0"/>
     <c:extLst>
       <c:ext xmlns:c16r3="http://schemas.microsoft.com/office/drawing/2017/03/chart" uri="{56B9EC1D-385E-4148-901F-78D8002777C0}">
         <c16r3:dataDisplayOptions16>
@@ -1532,7 +1533,6 @@
         </c16r3:dataDisplayOptions16>
       </c:ext>
     </c:extLst>
-    <c:showDLblsOverMax val="0"/>
   </c:chart>
   <c:spPr>
     <a:noFill/>
@@ -6560,6 +6560,3795 @@
 </p:sldLayout>
 </file>
 
+<file path=ppt/slideLayouts/slideLayout11.xml><?xml version="1.0" encoding="utf-8"?>
+<p:sldLayout xmlns:a="http://schemas.openxmlformats.org/drawingml/2006/main" xmlns:r="http://schemas.openxmlformats.org/officeDocument/2006/relationships" xmlns:p="http://schemas.openxmlformats.org/presentationml/2006/main" showMasterSp="0" preserve="1" userDrawn="1">
+  <p:cSld name="1_Title slide">
+    <p:bg>
+      <p:bgPr>
+        <a:blipFill dpi="0" rotWithShape="1">
+          <a:blip r:embed="rId2">
+            <a:lum/>
+          </a:blip>
+          <a:srcRect/>
+          <a:stretch>
+            <a:fillRect/>
+          </a:stretch>
+        </a:blipFill>
+        <a:effectLst/>
+      </p:bgPr>
+    </p:bg>
+    <p:spTree>
+      <p:nvGrpSpPr>
+        <p:cNvPr id="1" name=""/>
+        <p:cNvGrpSpPr/>
+        <p:nvPr/>
+      </p:nvGrpSpPr>
+      <p:grpSpPr>
+        <a:xfrm>
+          <a:off x="0" y="0"/>
+          <a:ext cx="0" cy="0"/>
+          <a:chOff x="0" y="0"/>
+          <a:chExt cx="0" cy="0"/>
+        </a:xfrm>
+      </p:grpSpPr>
+      <p:sp>
+        <p:nvSpPr>
+          <p:cNvPr id="97" name="Slide Number">
+            <a:extLst>
+              <a:ext uri="{FF2B5EF4-FFF2-40B4-BE49-F238E27FC236}">
+                <a16:creationId xmlns:a16="http://schemas.microsoft.com/office/drawing/2014/main" id="{576AC153-25F3-4431-87F8-2E0931CF2549}"/>
+              </a:ext>
+            </a:extLst>
+          </p:cNvPr>
+          <p:cNvSpPr>
+            <a:spLocks noGrp="1"/>
+          </p:cNvSpPr>
+          <p:nvPr>
+            <p:ph type="sldNum" idx="97"/>
+          </p:nvPr>
+        </p:nvSpPr>
+        <p:spPr>
+          <a:xfrm>
+            <a:off x="11347704" y="6446520"/>
+            <a:ext cx="484632" cy="228600"/>
+          </a:xfrm>
+        </p:spPr>
+        <p:txBody>
+          <a:bodyPr/>
+          <a:lstStyle>
+            <a:lvl1pPr>
+              <a:defRPr>
+                <a:solidFill>
+                  <a:srgbClr val="232F3E"/>
+                </a:solidFill>
+              </a:defRPr>
+            </a:lvl1pPr>
+          </a:lstStyle>
+          <a:p>
+            <a:fld id="{86A8BF56-6CB3-514C-9A64-F39D95C9E25B}" type="slidenum">
+              <a:rPr lang="en-US" smtClean="0"/>
+              <a:t>‹#›</a:t>
+            </a:fld>
+            <a:endParaRPr lang="en-US" dirty="0"/>
+          </a:p>
+        </p:txBody>
+      </p:sp>
+      <p:sp>
+        <p:nvSpPr>
+          <p:cNvPr id="5" name="Title 4">
+            <a:extLst>
+              <a:ext uri="{FF2B5EF4-FFF2-40B4-BE49-F238E27FC236}">
+                <a16:creationId xmlns:a16="http://schemas.microsoft.com/office/drawing/2014/main" id="{08D269A5-D107-2782-1600-9CFF8B439252}"/>
+              </a:ext>
+            </a:extLst>
+          </p:cNvPr>
+          <p:cNvSpPr>
+            <a:spLocks noGrp="1"/>
+          </p:cNvSpPr>
+          <p:nvPr>
+            <p:ph type="title" idx="1" hasCustomPrompt="1"/>
+          </p:nvPr>
+        </p:nvSpPr>
+        <p:spPr>
+          <a:xfrm>
+            <a:off x="457200" y="1554480"/>
+            <a:ext cx="8083296" cy="1463040"/>
+          </a:xfrm>
+        </p:spPr>
+        <p:txBody>
+          <a:bodyPr anchor="b">
+            <a:normAutofit/>
+          </a:bodyPr>
+          <a:lstStyle>
+            <a:lvl1pPr>
+              <a:defRPr sz="4800" b="1" i="0">
+                <a:solidFill>
+                  <a:srgbClr val="F1F3F3"/>
+                </a:solidFill>
+                <a:latin typeface="Amazon Ember Heavy" panose="020B0603020204020204" pitchFamily="34" charset="0"/>
+                <a:ea typeface="Amazon Ember Heavy" panose="020B0603020204020204" pitchFamily="34" charset="0"/>
+                <a:cs typeface="Amazon Ember Heavy" panose="020B0603020204020204" pitchFamily="34" charset="0"/>
+              </a:defRPr>
+            </a:lvl1pPr>
+          </a:lstStyle>
+          <a:p>
+            <a:r>
+              <a:rPr lang="en-US" dirty="0"/>
+              <a:t>Enter lesson title</a:t>
+            </a:r>
+          </a:p>
+        </p:txBody>
+      </p:sp>
+      <p:sp>
+        <p:nvSpPr>
+          <p:cNvPr id="6" name="Text Placeholder 5">
+            <a:extLst>
+              <a:ext uri="{FF2B5EF4-FFF2-40B4-BE49-F238E27FC236}">
+                <a16:creationId xmlns:a16="http://schemas.microsoft.com/office/drawing/2014/main" id="{56B61F05-1C18-7A17-A21D-C93186B1401A}"/>
+              </a:ext>
+            </a:extLst>
+          </p:cNvPr>
+          <p:cNvSpPr>
+            <a:spLocks noGrp="1"/>
+          </p:cNvSpPr>
+          <p:nvPr>
+            <p:ph type="body" idx="2" hasCustomPrompt="1"/>
+          </p:nvPr>
+        </p:nvSpPr>
+        <p:spPr>
+          <a:xfrm>
+            <a:off x="457199" y="3017520"/>
+            <a:ext cx="8412479" cy="548641"/>
+          </a:xfrm>
+        </p:spPr>
+        <p:txBody>
+          <a:bodyPr tIns="91440">
+            <a:normAutofit/>
+          </a:bodyPr>
+          <a:lstStyle>
+            <a:lvl1pPr marL="0" indent="0">
+              <a:buNone/>
+              <a:defRPr sz="3200" i="0">
+                <a:solidFill>
+                  <a:srgbClr val="F1F3F3"/>
+                </a:solidFill>
+                <a:latin typeface="+mn-lt"/>
+              </a:defRPr>
+            </a:lvl1pPr>
+          </a:lstStyle>
+          <a:p>
+            <a:r>
+              <a:rPr lang="en-US" dirty="0"/>
+              <a:t>Enter course name</a:t>
+            </a:r>
+          </a:p>
+        </p:txBody>
+      </p:sp>
+      <p:sp>
+        <p:nvSpPr>
+          <p:cNvPr id="8" name="Text Placeholder 5">
+            <a:extLst>
+              <a:ext uri="{FF2B5EF4-FFF2-40B4-BE49-F238E27FC236}">
+                <a16:creationId xmlns:a16="http://schemas.microsoft.com/office/drawing/2014/main" id="{98007F72-4142-F93E-B4D8-E79E478801B1}"/>
+              </a:ext>
+            </a:extLst>
+          </p:cNvPr>
+          <p:cNvSpPr>
+            <a:spLocks noGrp="1"/>
+          </p:cNvSpPr>
+          <p:nvPr>
+            <p:ph type="body" idx="98" hasCustomPrompt="1"/>
+          </p:nvPr>
+        </p:nvSpPr>
+        <p:spPr>
+          <a:xfrm>
+            <a:off x="457200" y="5120640"/>
+            <a:ext cx="5486400" cy="548640"/>
+          </a:xfrm>
+        </p:spPr>
+        <p:txBody>
+          <a:bodyPr>
+            <a:normAutofit/>
+          </a:bodyPr>
+          <a:lstStyle>
+            <a:lvl1pPr marL="0" indent="0">
+              <a:buNone/>
+              <a:defRPr sz="2800">
+                <a:solidFill>
+                  <a:srgbClr val="F1F3F3"/>
+                </a:solidFill>
+                <a:latin typeface="+mn-lt"/>
+              </a:defRPr>
+            </a:lvl1pPr>
+          </a:lstStyle>
+          <a:p>
+            <a:r>
+              <a:rPr lang="en-US" dirty="0"/>
+              <a:t>Module # - Lesson #</a:t>
+            </a:r>
+          </a:p>
+        </p:txBody>
+      </p:sp>
+    </p:spTree>
+    <p:extLst>
+      <p:ext uri="{BB962C8B-B14F-4D97-AF65-F5344CB8AC3E}">
+        <p14:creationId xmlns:p14="http://schemas.microsoft.com/office/powerpoint/2010/main" val="2476445104"/>
+      </p:ext>
+    </p:extLst>
+  </p:cSld>
+  <p:clrMapOvr>
+    <a:masterClrMapping/>
+  </p:clrMapOvr>
+</p:sldLayout>
+</file>
+
+<file path=ppt/slideLayouts/slideLayout12.xml><?xml version="1.0" encoding="utf-8"?>
+<p:sldLayout xmlns:a="http://schemas.openxmlformats.org/drawingml/2006/main" xmlns:r="http://schemas.openxmlformats.org/officeDocument/2006/relationships" xmlns:p="http://schemas.openxmlformats.org/presentationml/2006/main" preserve="1" userDrawn="1">
+  <p:cSld name="1_Title, 4 Headers, and 4 Text Columns">
+    <p:bg>
+      <p:bgPr>
+        <a:solidFill>
+          <a:schemeClr val="bg1"/>
+        </a:solidFill>
+        <a:effectLst/>
+      </p:bgPr>
+    </p:bg>
+    <p:spTree>
+      <p:nvGrpSpPr>
+        <p:cNvPr id="1" name=""/>
+        <p:cNvGrpSpPr/>
+        <p:nvPr/>
+      </p:nvGrpSpPr>
+      <p:grpSpPr>
+        <a:xfrm>
+          <a:off x="0" y="0"/>
+          <a:ext cx="0" cy="0"/>
+          <a:chOff x="0" y="0"/>
+          <a:chExt cx="0" cy="0"/>
+        </a:xfrm>
+      </p:grpSpPr>
+      <p:pic>
+        <p:nvPicPr>
+          <p:cNvPr id="99" name="Background">
+            <a:extLst>
+              <a:ext uri="{FF2B5EF4-FFF2-40B4-BE49-F238E27FC236}">
+                <a16:creationId xmlns:a16="http://schemas.microsoft.com/office/drawing/2014/main" id="{DFFC9D1B-8040-4CD3-B060-07560FFB49A0}"/>
+              </a:ext>
+              <a:ext uri="{C183D7F6-B498-43B3-948B-1728B52AA6E4}">
+                <adec:decorative xmlns:adec="http://schemas.microsoft.com/office/drawing/2017/decorative" val="1"/>
+              </a:ext>
+            </a:extLst>
+          </p:cNvPr>
+          <p:cNvPicPr>
+            <a:picLocks/>
+          </p:cNvPicPr>
+          <p:nvPr/>
+        </p:nvPicPr>
+        <p:blipFill>
+          <a:blip r:embed="rId3">
+            <a:extLst>
+              <a:ext uri="{28A0092B-C50C-407E-A947-70E740481C1C}">
+                <a14:useLocalDpi xmlns:a14="http://schemas.microsoft.com/office/drawing/2010/main" val="0"/>
+              </a:ext>
+            </a:extLst>
+          </a:blip>
+          <a:stretch>
+            <a:fillRect/>
+          </a:stretch>
+        </p:blipFill>
+        <p:spPr>
+          <a:xfrm>
+            <a:off x="365760" y="2310517"/>
+            <a:ext cx="11484864" cy="440328"/>
+          </a:xfrm>
+          <a:prstGeom prst="rect">
+            <a:avLst/>
+          </a:prstGeom>
+        </p:spPr>
+      </p:pic>
+      <p:sp>
+        <p:nvSpPr>
+          <p:cNvPr id="97" name="Slide Number">
+            <a:extLst>
+              <a:ext uri="{FF2B5EF4-FFF2-40B4-BE49-F238E27FC236}">
+                <a16:creationId xmlns:a16="http://schemas.microsoft.com/office/drawing/2014/main" id="{801112C1-CB8D-4535-B2A1-5048E573106F}"/>
+              </a:ext>
+            </a:extLst>
+          </p:cNvPr>
+          <p:cNvSpPr>
+            <a:spLocks noGrp="1"/>
+          </p:cNvSpPr>
+          <p:nvPr>
+            <p:ph type="sldNum" idx="97"/>
+          </p:nvPr>
+        </p:nvSpPr>
+        <p:spPr>
+          <a:xfrm>
+            <a:off x="11347704" y="6446520"/>
+            <a:ext cx="484632" cy="228600"/>
+          </a:xfrm>
+        </p:spPr>
+        <p:txBody>
+          <a:bodyPr/>
+          <a:lstStyle>
+            <a:lvl1pPr>
+              <a:defRPr>
+                <a:solidFill>
+                  <a:srgbClr val="232F3E"/>
+                </a:solidFill>
+              </a:defRPr>
+            </a:lvl1pPr>
+          </a:lstStyle>
+          <a:p>
+            <a:fld id="{4037B1B0-0345-4E15-985A-6BECCDBE474F}" type="slidenum">
+              <a:rPr lang="en-US" smtClean="0"/>
+              <a:pPr/>
+              <a:t>‹#›</a:t>
+            </a:fld>
+            <a:endParaRPr lang="en-US" dirty="0"/>
+          </a:p>
+        </p:txBody>
+      </p:sp>
+      <p:sp>
+        <p:nvSpPr>
+          <p:cNvPr id="6" name="Title">
+            <a:extLst>
+              <a:ext uri="{FF2B5EF4-FFF2-40B4-BE49-F238E27FC236}">
+                <a16:creationId xmlns:a16="http://schemas.microsoft.com/office/drawing/2014/main" id="{75DBD6AA-5E11-44A8-900B-2519518B0622}"/>
+              </a:ext>
+            </a:extLst>
+          </p:cNvPr>
+          <p:cNvSpPr>
+            <a:spLocks noGrp="1"/>
+          </p:cNvSpPr>
+          <p:nvPr>
+            <p:ph type="title" idx="1" hasCustomPrompt="1"/>
+          </p:nvPr>
+        </p:nvSpPr>
+        <p:spPr>
+          <a:xfrm>
+            <a:off x="365760" y="301752"/>
+            <a:ext cx="11466576" cy="731318"/>
+          </a:xfrm>
+        </p:spPr>
+        <p:txBody>
+          <a:bodyPr/>
+          <a:lstStyle>
+            <a:lvl1pPr>
+              <a:defRPr>
+                <a:solidFill>
+                  <a:srgbClr val="232F3E"/>
+                </a:solidFill>
+                <a:latin typeface="Amazon Ember Display Heavy"/>
+              </a:defRPr>
+            </a:lvl1pPr>
+          </a:lstStyle>
+          <a:p>
+            <a:r>
+              <a:rPr lang="en-US" dirty="0"/>
+              <a:t>Title, 4 headers, and 4 text columns</a:t>
+            </a:r>
+          </a:p>
+        </p:txBody>
+      </p:sp>
+      <p:sp>
+        <p:nvSpPr>
+          <p:cNvPr id="12" name="Content Header Left">
+            <a:extLst>
+              <a:ext uri="{FF2B5EF4-FFF2-40B4-BE49-F238E27FC236}">
+                <a16:creationId xmlns:a16="http://schemas.microsoft.com/office/drawing/2014/main" id="{CEBB69C5-28A4-4F99-A9FE-572F9D53CF4E}"/>
+              </a:ext>
+            </a:extLst>
+          </p:cNvPr>
+          <p:cNvSpPr>
+            <a:spLocks noGrp="1"/>
+          </p:cNvSpPr>
+          <p:nvPr>
+            <p:ph type="body" idx="12" hasCustomPrompt="1"/>
+          </p:nvPr>
+        </p:nvSpPr>
+        <p:spPr>
+          <a:xfrm>
+            <a:off x="365760" y="2310516"/>
+            <a:ext cx="2788920" cy="440329"/>
+          </a:xfrm>
+          <a:noFill/>
+          <a:ln>
+            <a:noFill/>
+          </a:ln>
+        </p:spPr>
+        <p:txBody>
+          <a:bodyPr lIns="91440" anchor="ctr">
+            <a:noAutofit/>
+          </a:bodyPr>
+          <a:lstStyle>
+            <a:lvl1pPr marL="60325" indent="0">
+              <a:lnSpc>
+                <a:spcPct val="100000"/>
+              </a:lnSpc>
+              <a:spcBef>
+                <a:spcPts val="0"/>
+              </a:spcBef>
+              <a:spcAft>
+                <a:spcPts val="0"/>
+              </a:spcAft>
+              <a:buNone/>
+              <a:defRPr sz="2400" b="0">
+                <a:solidFill>
+                  <a:schemeClr val="bg1"/>
+                </a:solidFill>
+                <a:latin typeface="+mn-lt"/>
+                <a:ea typeface="Amazon Ember Heavy" panose="020B0803020204020204" pitchFamily="34" charset="0"/>
+                <a:cs typeface="Amazon Ember Heavy" panose="020B0803020204020204" pitchFamily="34" charset="0"/>
+              </a:defRPr>
+            </a:lvl1pPr>
+            <a:lvl2pPr marL="457200" indent="0">
+              <a:buNone/>
+              <a:defRPr sz="2000" b="1"/>
+            </a:lvl2pPr>
+            <a:lvl3pPr marL="914400" indent="0">
+              <a:buNone/>
+              <a:defRPr sz="1800" b="1"/>
+            </a:lvl3pPr>
+            <a:lvl4pPr marL="1371600" indent="0">
+              <a:buNone/>
+              <a:defRPr sz="1600" b="1"/>
+            </a:lvl4pPr>
+            <a:lvl5pPr marL="1828800" indent="0">
+              <a:buNone/>
+              <a:defRPr sz="1600" b="1"/>
+            </a:lvl5pPr>
+            <a:lvl6pPr marL="2286000" indent="0">
+              <a:buNone/>
+              <a:defRPr sz="1600" b="1"/>
+            </a:lvl6pPr>
+            <a:lvl7pPr marL="2743200" indent="0">
+              <a:buNone/>
+              <a:defRPr sz="1600" b="1"/>
+            </a:lvl7pPr>
+            <a:lvl8pPr marL="3200400" indent="0">
+              <a:buNone/>
+              <a:defRPr sz="1600" b="1"/>
+            </a:lvl8pPr>
+            <a:lvl9pPr marL="3657600" indent="0">
+              <a:buNone/>
+              <a:defRPr sz="1600" b="1"/>
+            </a:lvl9pPr>
+          </a:lstStyle>
+          <a:p>
+            <a:pPr lvl="0"/>
+            <a:r>
+              <a:rPr lang="en-US" dirty="0"/>
+              <a:t>Enter header text</a:t>
+            </a:r>
+          </a:p>
+        </p:txBody>
+      </p:sp>
+      <p:sp>
+        <p:nvSpPr>
+          <p:cNvPr id="2" name="Content Left">
+            <a:extLst>
+              <a:ext uri="{FF2B5EF4-FFF2-40B4-BE49-F238E27FC236}">
+                <a16:creationId xmlns:a16="http://schemas.microsoft.com/office/drawing/2014/main" id="{5ACBD598-6775-4223-B2AB-B169A112E3FF}"/>
+              </a:ext>
+            </a:extLst>
+          </p:cNvPr>
+          <p:cNvSpPr>
+            <a:spLocks noGrp="1"/>
+          </p:cNvSpPr>
+          <p:nvPr>
+            <p:ph type="body" idx="2" hasCustomPrompt="1"/>
+          </p:nvPr>
+        </p:nvSpPr>
+        <p:spPr>
+          <a:xfrm>
+            <a:off x="365760" y="2750844"/>
+            <a:ext cx="2788920" cy="3695675"/>
+          </a:xfrm>
+        </p:spPr>
+        <p:txBody>
+          <a:bodyPr>
+            <a:noAutofit/>
+          </a:bodyPr>
+          <a:lstStyle>
+            <a:lvl1pPr>
+              <a:lnSpc>
+                <a:spcPct val="100000"/>
+              </a:lnSpc>
+              <a:spcAft>
+                <a:spcPts val="600"/>
+              </a:spcAft>
+              <a:defRPr sz="2400">
+                <a:solidFill>
+                  <a:srgbClr val="232F3E"/>
+                </a:solidFill>
+              </a:defRPr>
+            </a:lvl1pPr>
+            <a:lvl2pPr marL="461963" indent="-228600">
+              <a:lnSpc>
+                <a:spcPct val="100000"/>
+              </a:lnSpc>
+              <a:spcAft>
+                <a:spcPts val="600"/>
+              </a:spcAft>
+              <a:defRPr sz="2000">
+                <a:solidFill>
+                  <a:srgbClr val="232F3E"/>
+                </a:solidFill>
+              </a:defRPr>
+            </a:lvl2pPr>
+            <a:lvl3pPr marL="684213" indent="-228600">
+              <a:lnSpc>
+                <a:spcPct val="100000"/>
+              </a:lnSpc>
+              <a:spcAft>
+                <a:spcPts val="600"/>
+              </a:spcAft>
+              <a:defRPr sz="1800">
+                <a:solidFill>
+                  <a:srgbClr val="232F3E"/>
+                </a:solidFill>
+              </a:defRPr>
+            </a:lvl3pPr>
+            <a:lvl4pPr marL="914400" indent="-228600">
+              <a:lnSpc>
+                <a:spcPct val="100000"/>
+              </a:lnSpc>
+              <a:spcAft>
+                <a:spcPts val="600"/>
+              </a:spcAft>
+              <a:defRPr sz="1600">
+                <a:solidFill>
+                  <a:srgbClr val="232F3E"/>
+                </a:solidFill>
+              </a:defRPr>
+            </a:lvl4pPr>
+            <a:lvl5pPr marL="1144588" indent="-228600">
+              <a:lnSpc>
+                <a:spcPct val="100000"/>
+              </a:lnSpc>
+              <a:spcAft>
+                <a:spcPts val="600"/>
+              </a:spcAft>
+              <a:defRPr sz="1600">
+                <a:solidFill>
+                  <a:srgbClr val="232F3E"/>
+                </a:solidFill>
+              </a:defRPr>
+            </a:lvl5pPr>
+          </a:lstStyle>
+          <a:p>
+            <a:pPr lvl="0"/>
+            <a:r>
+              <a:rPr lang="en-US" dirty="0"/>
+              <a:t>Add content text</a:t>
+            </a:r>
+          </a:p>
+          <a:p>
+            <a:pPr lvl="1"/>
+            <a:r>
+              <a:rPr lang="en-US" dirty="0"/>
+              <a:t>Second level</a:t>
+            </a:r>
+          </a:p>
+          <a:p>
+            <a:pPr lvl="2"/>
+            <a:r>
+              <a:rPr lang="en-US" dirty="0"/>
+              <a:t>Third level</a:t>
+            </a:r>
+          </a:p>
+          <a:p>
+            <a:pPr lvl="3"/>
+            <a:r>
+              <a:rPr lang="en-US" dirty="0"/>
+              <a:t>Avoid using fourth  level</a:t>
+            </a:r>
+          </a:p>
+          <a:p>
+            <a:pPr lvl="4"/>
+            <a:r>
+              <a:rPr lang="en-US" dirty="0"/>
+              <a:t>Avoid using fifth level</a:t>
+            </a:r>
+          </a:p>
+        </p:txBody>
+      </p:sp>
+      <p:sp>
+        <p:nvSpPr>
+          <p:cNvPr id="13" name="Content Header Center Left">
+            <a:extLst>
+              <a:ext uri="{FF2B5EF4-FFF2-40B4-BE49-F238E27FC236}">
+                <a16:creationId xmlns:a16="http://schemas.microsoft.com/office/drawing/2014/main" id="{04C41CFA-9BF9-474A-89A9-E22790A538E2}"/>
+              </a:ext>
+            </a:extLst>
+          </p:cNvPr>
+          <p:cNvSpPr>
+            <a:spLocks noGrp="1"/>
+          </p:cNvSpPr>
+          <p:nvPr>
+            <p:ph type="body" idx="13" hasCustomPrompt="1"/>
+          </p:nvPr>
+        </p:nvSpPr>
+        <p:spPr>
+          <a:xfrm>
+            <a:off x="3264408" y="2310516"/>
+            <a:ext cx="2788920" cy="440329"/>
+          </a:xfrm>
+          <a:noFill/>
+          <a:ln>
+            <a:noFill/>
+          </a:ln>
+        </p:spPr>
+        <p:txBody>
+          <a:bodyPr lIns="91440" anchor="ctr">
+            <a:noAutofit/>
+          </a:bodyPr>
+          <a:lstStyle>
+            <a:lvl1pPr marL="60325" indent="0">
+              <a:lnSpc>
+                <a:spcPct val="100000"/>
+              </a:lnSpc>
+              <a:spcBef>
+                <a:spcPts val="0"/>
+              </a:spcBef>
+              <a:spcAft>
+                <a:spcPts val="0"/>
+              </a:spcAft>
+              <a:buNone/>
+              <a:defRPr sz="2400" b="0">
+                <a:solidFill>
+                  <a:schemeClr val="bg1"/>
+                </a:solidFill>
+                <a:latin typeface="+mn-lt"/>
+                <a:ea typeface="Amazon Ember Heavy" panose="020B0803020204020204" pitchFamily="34" charset="0"/>
+                <a:cs typeface="Amazon Ember Heavy" panose="020B0803020204020204" pitchFamily="34" charset="0"/>
+              </a:defRPr>
+            </a:lvl1pPr>
+            <a:lvl2pPr marL="457200" indent="0">
+              <a:buNone/>
+              <a:defRPr sz="2000" b="1"/>
+            </a:lvl2pPr>
+            <a:lvl3pPr marL="914400" indent="0">
+              <a:buNone/>
+              <a:defRPr sz="1800" b="1"/>
+            </a:lvl3pPr>
+            <a:lvl4pPr marL="1371600" indent="0">
+              <a:buNone/>
+              <a:defRPr sz="1600" b="1"/>
+            </a:lvl4pPr>
+            <a:lvl5pPr marL="1828800" indent="0">
+              <a:buNone/>
+              <a:defRPr sz="1600" b="1"/>
+            </a:lvl5pPr>
+            <a:lvl6pPr marL="2286000" indent="0">
+              <a:buNone/>
+              <a:defRPr sz="1600" b="1"/>
+            </a:lvl6pPr>
+            <a:lvl7pPr marL="2743200" indent="0">
+              <a:buNone/>
+              <a:defRPr sz="1600" b="1"/>
+            </a:lvl7pPr>
+            <a:lvl8pPr marL="3200400" indent="0">
+              <a:buNone/>
+              <a:defRPr sz="1600" b="1"/>
+            </a:lvl8pPr>
+            <a:lvl9pPr marL="3657600" indent="0">
+              <a:buNone/>
+              <a:defRPr sz="1600" b="1"/>
+            </a:lvl9pPr>
+          </a:lstStyle>
+          <a:p>
+            <a:pPr lvl="0"/>
+            <a:r>
+              <a:rPr lang="en-US" dirty="0"/>
+              <a:t>Enter header text</a:t>
+            </a:r>
+          </a:p>
+        </p:txBody>
+      </p:sp>
+      <p:sp>
+        <p:nvSpPr>
+          <p:cNvPr id="3" name="Content Center Left">
+            <a:extLst>
+              <a:ext uri="{FF2B5EF4-FFF2-40B4-BE49-F238E27FC236}">
+                <a16:creationId xmlns:a16="http://schemas.microsoft.com/office/drawing/2014/main" id="{7F5B85B9-BABC-44F6-B2AE-99F02670D702}"/>
+              </a:ext>
+            </a:extLst>
+          </p:cNvPr>
+          <p:cNvSpPr>
+            <a:spLocks noGrp="1"/>
+          </p:cNvSpPr>
+          <p:nvPr>
+            <p:ph type="body" idx="3" hasCustomPrompt="1"/>
+          </p:nvPr>
+        </p:nvSpPr>
+        <p:spPr>
+          <a:xfrm>
+            <a:off x="3264408" y="2750844"/>
+            <a:ext cx="2788920" cy="3695675"/>
+          </a:xfrm>
+        </p:spPr>
+        <p:txBody>
+          <a:bodyPr>
+            <a:noAutofit/>
+          </a:bodyPr>
+          <a:lstStyle>
+            <a:lvl1pPr>
+              <a:lnSpc>
+                <a:spcPct val="100000"/>
+              </a:lnSpc>
+              <a:spcAft>
+                <a:spcPts val="600"/>
+              </a:spcAft>
+              <a:defRPr sz="2400">
+                <a:solidFill>
+                  <a:srgbClr val="232F3E"/>
+                </a:solidFill>
+              </a:defRPr>
+            </a:lvl1pPr>
+            <a:lvl2pPr marL="461963" indent="-228600">
+              <a:lnSpc>
+                <a:spcPct val="100000"/>
+              </a:lnSpc>
+              <a:spcAft>
+                <a:spcPts val="600"/>
+              </a:spcAft>
+              <a:defRPr sz="2000">
+                <a:solidFill>
+                  <a:srgbClr val="232F3E"/>
+                </a:solidFill>
+              </a:defRPr>
+            </a:lvl2pPr>
+            <a:lvl3pPr marL="684213" indent="-228600">
+              <a:lnSpc>
+                <a:spcPct val="100000"/>
+              </a:lnSpc>
+              <a:spcAft>
+                <a:spcPts val="600"/>
+              </a:spcAft>
+              <a:defRPr sz="1800">
+                <a:solidFill>
+                  <a:srgbClr val="232F3E"/>
+                </a:solidFill>
+              </a:defRPr>
+            </a:lvl3pPr>
+            <a:lvl4pPr marL="914400" indent="-228600">
+              <a:lnSpc>
+                <a:spcPct val="100000"/>
+              </a:lnSpc>
+              <a:spcAft>
+                <a:spcPts val="600"/>
+              </a:spcAft>
+              <a:defRPr sz="1600">
+                <a:solidFill>
+                  <a:srgbClr val="232F3E"/>
+                </a:solidFill>
+              </a:defRPr>
+            </a:lvl4pPr>
+            <a:lvl5pPr marL="1144588" indent="-228600">
+              <a:lnSpc>
+                <a:spcPct val="100000"/>
+              </a:lnSpc>
+              <a:spcAft>
+                <a:spcPts val="600"/>
+              </a:spcAft>
+              <a:defRPr sz="1600">
+                <a:solidFill>
+                  <a:srgbClr val="232F3E"/>
+                </a:solidFill>
+              </a:defRPr>
+            </a:lvl5pPr>
+          </a:lstStyle>
+          <a:p>
+            <a:pPr lvl="0"/>
+            <a:r>
+              <a:rPr lang="en-US" dirty="0"/>
+              <a:t>Add content text</a:t>
+            </a:r>
+          </a:p>
+          <a:p>
+            <a:pPr lvl="1"/>
+            <a:r>
+              <a:rPr lang="en-US" dirty="0"/>
+              <a:t>Second level</a:t>
+            </a:r>
+          </a:p>
+          <a:p>
+            <a:pPr lvl="2"/>
+            <a:r>
+              <a:rPr lang="en-US" dirty="0"/>
+              <a:t>Third level</a:t>
+            </a:r>
+          </a:p>
+          <a:p>
+            <a:pPr lvl="3"/>
+            <a:r>
+              <a:rPr lang="en-US" dirty="0"/>
+              <a:t>Avoid using fourth  level</a:t>
+            </a:r>
+          </a:p>
+          <a:p>
+            <a:pPr lvl="4"/>
+            <a:r>
+              <a:rPr lang="en-US" dirty="0"/>
+              <a:t>Avoid using fifth level</a:t>
+            </a:r>
+          </a:p>
+        </p:txBody>
+      </p:sp>
+      <p:sp>
+        <p:nvSpPr>
+          <p:cNvPr id="14" name="Content Header Center Right">
+            <a:extLst>
+              <a:ext uri="{FF2B5EF4-FFF2-40B4-BE49-F238E27FC236}">
+                <a16:creationId xmlns:a16="http://schemas.microsoft.com/office/drawing/2014/main" id="{B3EBECE3-35F9-4AF4-A8A7-FD546C7C32D6}"/>
+              </a:ext>
+            </a:extLst>
+          </p:cNvPr>
+          <p:cNvSpPr>
+            <a:spLocks noGrp="1"/>
+          </p:cNvSpPr>
+          <p:nvPr>
+            <p:ph type="body" idx="14" hasCustomPrompt="1"/>
+          </p:nvPr>
+        </p:nvSpPr>
+        <p:spPr>
+          <a:xfrm>
+            <a:off x="6163056" y="2310516"/>
+            <a:ext cx="2788920" cy="440329"/>
+          </a:xfrm>
+          <a:noFill/>
+          <a:ln>
+            <a:noFill/>
+          </a:ln>
+        </p:spPr>
+        <p:txBody>
+          <a:bodyPr lIns="91440" anchor="ctr">
+            <a:noAutofit/>
+          </a:bodyPr>
+          <a:lstStyle>
+            <a:lvl1pPr marL="60325" indent="0">
+              <a:lnSpc>
+                <a:spcPct val="100000"/>
+              </a:lnSpc>
+              <a:spcBef>
+                <a:spcPts val="0"/>
+              </a:spcBef>
+              <a:spcAft>
+                <a:spcPts val="0"/>
+              </a:spcAft>
+              <a:buNone/>
+              <a:defRPr sz="2400" b="0">
+                <a:solidFill>
+                  <a:schemeClr val="bg1"/>
+                </a:solidFill>
+                <a:latin typeface="+mn-lt"/>
+                <a:ea typeface="Amazon Ember Heavy" panose="020B0803020204020204" pitchFamily="34" charset="0"/>
+                <a:cs typeface="Amazon Ember Heavy" panose="020B0803020204020204" pitchFamily="34" charset="0"/>
+              </a:defRPr>
+            </a:lvl1pPr>
+            <a:lvl2pPr marL="457200" indent="0">
+              <a:buNone/>
+              <a:defRPr sz="2000" b="1"/>
+            </a:lvl2pPr>
+            <a:lvl3pPr marL="914400" indent="0">
+              <a:buNone/>
+              <a:defRPr sz="1800" b="1"/>
+            </a:lvl3pPr>
+            <a:lvl4pPr marL="1371600" indent="0">
+              <a:buNone/>
+              <a:defRPr sz="1600" b="1"/>
+            </a:lvl4pPr>
+            <a:lvl5pPr marL="1828800" indent="0">
+              <a:buNone/>
+              <a:defRPr sz="1600" b="1"/>
+            </a:lvl5pPr>
+            <a:lvl6pPr marL="2286000" indent="0">
+              <a:buNone/>
+              <a:defRPr sz="1600" b="1"/>
+            </a:lvl6pPr>
+            <a:lvl7pPr marL="2743200" indent="0">
+              <a:buNone/>
+              <a:defRPr sz="1600" b="1"/>
+            </a:lvl7pPr>
+            <a:lvl8pPr marL="3200400" indent="0">
+              <a:buNone/>
+              <a:defRPr sz="1600" b="1"/>
+            </a:lvl8pPr>
+            <a:lvl9pPr marL="3657600" indent="0">
+              <a:buNone/>
+              <a:defRPr sz="1600" b="1"/>
+            </a:lvl9pPr>
+          </a:lstStyle>
+          <a:p>
+            <a:pPr lvl="0"/>
+            <a:r>
+              <a:rPr lang="en-US" dirty="0"/>
+              <a:t>Enter header text</a:t>
+            </a:r>
+          </a:p>
+        </p:txBody>
+      </p:sp>
+      <p:sp>
+        <p:nvSpPr>
+          <p:cNvPr id="4" name="Content Center Right">
+            <a:extLst>
+              <a:ext uri="{FF2B5EF4-FFF2-40B4-BE49-F238E27FC236}">
+                <a16:creationId xmlns:a16="http://schemas.microsoft.com/office/drawing/2014/main" id="{92466994-EA21-45EA-9DC6-3C179254B3A8}"/>
+              </a:ext>
+            </a:extLst>
+          </p:cNvPr>
+          <p:cNvSpPr>
+            <a:spLocks noGrp="1"/>
+          </p:cNvSpPr>
+          <p:nvPr>
+            <p:ph type="body" idx="4" hasCustomPrompt="1"/>
+          </p:nvPr>
+        </p:nvSpPr>
+        <p:spPr>
+          <a:xfrm>
+            <a:off x="6163056" y="2750844"/>
+            <a:ext cx="2788920" cy="3695675"/>
+          </a:xfrm>
+        </p:spPr>
+        <p:txBody>
+          <a:bodyPr>
+            <a:noAutofit/>
+          </a:bodyPr>
+          <a:lstStyle>
+            <a:lvl1pPr>
+              <a:lnSpc>
+                <a:spcPct val="100000"/>
+              </a:lnSpc>
+              <a:spcAft>
+                <a:spcPts val="600"/>
+              </a:spcAft>
+              <a:defRPr sz="2400">
+                <a:solidFill>
+                  <a:srgbClr val="232F3E"/>
+                </a:solidFill>
+              </a:defRPr>
+            </a:lvl1pPr>
+            <a:lvl2pPr marL="461963" indent="-228600">
+              <a:lnSpc>
+                <a:spcPct val="100000"/>
+              </a:lnSpc>
+              <a:spcAft>
+                <a:spcPts val="600"/>
+              </a:spcAft>
+              <a:defRPr sz="2000">
+                <a:solidFill>
+                  <a:srgbClr val="232F3E"/>
+                </a:solidFill>
+              </a:defRPr>
+            </a:lvl2pPr>
+            <a:lvl3pPr marL="684213" indent="-228600">
+              <a:lnSpc>
+                <a:spcPct val="100000"/>
+              </a:lnSpc>
+              <a:spcAft>
+                <a:spcPts val="600"/>
+              </a:spcAft>
+              <a:defRPr sz="1800">
+                <a:solidFill>
+                  <a:srgbClr val="232F3E"/>
+                </a:solidFill>
+              </a:defRPr>
+            </a:lvl3pPr>
+            <a:lvl4pPr marL="914400" indent="-228600">
+              <a:lnSpc>
+                <a:spcPct val="100000"/>
+              </a:lnSpc>
+              <a:spcAft>
+                <a:spcPts val="600"/>
+              </a:spcAft>
+              <a:defRPr sz="1600">
+                <a:solidFill>
+                  <a:srgbClr val="232F3E"/>
+                </a:solidFill>
+              </a:defRPr>
+            </a:lvl4pPr>
+            <a:lvl5pPr marL="1144588" indent="-228600">
+              <a:lnSpc>
+                <a:spcPct val="100000"/>
+              </a:lnSpc>
+              <a:spcAft>
+                <a:spcPts val="600"/>
+              </a:spcAft>
+              <a:defRPr sz="1600">
+                <a:solidFill>
+                  <a:srgbClr val="232F3E"/>
+                </a:solidFill>
+              </a:defRPr>
+            </a:lvl5pPr>
+          </a:lstStyle>
+          <a:p>
+            <a:pPr lvl="0"/>
+            <a:r>
+              <a:rPr lang="en-US" dirty="0"/>
+              <a:t>Add content text</a:t>
+            </a:r>
+          </a:p>
+          <a:p>
+            <a:pPr lvl="1"/>
+            <a:r>
+              <a:rPr lang="en-US" dirty="0"/>
+              <a:t>Second level</a:t>
+            </a:r>
+          </a:p>
+          <a:p>
+            <a:pPr lvl="2"/>
+            <a:r>
+              <a:rPr lang="en-US" dirty="0"/>
+              <a:t>Third level</a:t>
+            </a:r>
+          </a:p>
+          <a:p>
+            <a:pPr lvl="3"/>
+            <a:r>
+              <a:rPr lang="en-US" dirty="0"/>
+              <a:t>Avoid using fourth  level</a:t>
+            </a:r>
+          </a:p>
+          <a:p>
+            <a:pPr lvl="4"/>
+            <a:r>
+              <a:rPr lang="en-US" dirty="0"/>
+              <a:t>Avoid using fifth level</a:t>
+            </a:r>
+          </a:p>
+        </p:txBody>
+      </p:sp>
+      <p:sp>
+        <p:nvSpPr>
+          <p:cNvPr id="15" name="Content Header Right">
+            <a:extLst>
+              <a:ext uri="{FF2B5EF4-FFF2-40B4-BE49-F238E27FC236}">
+                <a16:creationId xmlns:a16="http://schemas.microsoft.com/office/drawing/2014/main" id="{ED932AC6-C3A8-487A-A17E-48D0C368204C}"/>
+              </a:ext>
+            </a:extLst>
+          </p:cNvPr>
+          <p:cNvSpPr>
+            <a:spLocks noGrp="1"/>
+          </p:cNvSpPr>
+          <p:nvPr>
+            <p:ph type="body" idx="15" hasCustomPrompt="1"/>
+          </p:nvPr>
+        </p:nvSpPr>
+        <p:spPr>
+          <a:xfrm>
+            <a:off x="9061704" y="2310516"/>
+            <a:ext cx="2788920" cy="440329"/>
+          </a:xfrm>
+          <a:noFill/>
+          <a:ln>
+            <a:noFill/>
+          </a:ln>
+        </p:spPr>
+        <p:txBody>
+          <a:bodyPr lIns="91440" anchor="ctr">
+            <a:noAutofit/>
+          </a:bodyPr>
+          <a:lstStyle>
+            <a:lvl1pPr marL="60325" indent="0">
+              <a:lnSpc>
+                <a:spcPct val="100000"/>
+              </a:lnSpc>
+              <a:spcBef>
+                <a:spcPts val="0"/>
+              </a:spcBef>
+              <a:spcAft>
+                <a:spcPts val="0"/>
+              </a:spcAft>
+              <a:buNone/>
+              <a:defRPr sz="2400" b="0">
+                <a:solidFill>
+                  <a:schemeClr val="bg1"/>
+                </a:solidFill>
+                <a:latin typeface="+mn-lt"/>
+                <a:ea typeface="Amazon Ember Heavy" panose="020B0803020204020204" pitchFamily="34" charset="0"/>
+                <a:cs typeface="Amazon Ember Heavy" panose="020B0803020204020204" pitchFamily="34" charset="0"/>
+              </a:defRPr>
+            </a:lvl1pPr>
+            <a:lvl2pPr marL="457200" indent="0">
+              <a:buNone/>
+              <a:defRPr sz="2000" b="1"/>
+            </a:lvl2pPr>
+            <a:lvl3pPr marL="914400" indent="0">
+              <a:buNone/>
+              <a:defRPr sz="1800" b="1"/>
+            </a:lvl3pPr>
+            <a:lvl4pPr marL="1371600" indent="0">
+              <a:buNone/>
+              <a:defRPr sz="1600" b="1"/>
+            </a:lvl4pPr>
+            <a:lvl5pPr marL="1828800" indent="0">
+              <a:buNone/>
+              <a:defRPr sz="1600" b="1"/>
+            </a:lvl5pPr>
+            <a:lvl6pPr marL="2286000" indent="0">
+              <a:buNone/>
+              <a:defRPr sz="1600" b="1"/>
+            </a:lvl6pPr>
+            <a:lvl7pPr marL="2743200" indent="0">
+              <a:buNone/>
+              <a:defRPr sz="1600" b="1"/>
+            </a:lvl7pPr>
+            <a:lvl8pPr marL="3200400" indent="0">
+              <a:buNone/>
+              <a:defRPr sz="1600" b="1"/>
+            </a:lvl8pPr>
+            <a:lvl9pPr marL="3657600" indent="0">
+              <a:buNone/>
+              <a:defRPr sz="1600" b="1"/>
+            </a:lvl9pPr>
+          </a:lstStyle>
+          <a:p>
+            <a:pPr lvl="0"/>
+            <a:r>
+              <a:rPr lang="en-US" dirty="0"/>
+              <a:t>Enter header text</a:t>
+            </a:r>
+          </a:p>
+        </p:txBody>
+      </p:sp>
+      <p:sp>
+        <p:nvSpPr>
+          <p:cNvPr id="5" name="Content Right">
+            <a:extLst>
+              <a:ext uri="{FF2B5EF4-FFF2-40B4-BE49-F238E27FC236}">
+                <a16:creationId xmlns:a16="http://schemas.microsoft.com/office/drawing/2014/main" id="{7CF59EA0-9039-4A19-8197-DA073A0DB52B}"/>
+              </a:ext>
+            </a:extLst>
+          </p:cNvPr>
+          <p:cNvSpPr>
+            <a:spLocks noGrp="1"/>
+          </p:cNvSpPr>
+          <p:nvPr>
+            <p:ph type="body" idx="5" hasCustomPrompt="1"/>
+          </p:nvPr>
+        </p:nvSpPr>
+        <p:spPr>
+          <a:xfrm>
+            <a:off x="9061704" y="2750844"/>
+            <a:ext cx="2788920" cy="3695675"/>
+          </a:xfrm>
+        </p:spPr>
+        <p:txBody>
+          <a:bodyPr>
+            <a:noAutofit/>
+          </a:bodyPr>
+          <a:lstStyle>
+            <a:lvl1pPr>
+              <a:lnSpc>
+                <a:spcPct val="100000"/>
+              </a:lnSpc>
+              <a:spcAft>
+                <a:spcPts val="600"/>
+              </a:spcAft>
+              <a:defRPr sz="2400">
+                <a:solidFill>
+                  <a:srgbClr val="232F3E"/>
+                </a:solidFill>
+              </a:defRPr>
+            </a:lvl1pPr>
+            <a:lvl2pPr marL="461963" indent="-228600">
+              <a:lnSpc>
+                <a:spcPct val="100000"/>
+              </a:lnSpc>
+              <a:spcAft>
+                <a:spcPts val="600"/>
+              </a:spcAft>
+              <a:defRPr sz="2000">
+                <a:solidFill>
+                  <a:srgbClr val="232F3E"/>
+                </a:solidFill>
+              </a:defRPr>
+            </a:lvl2pPr>
+            <a:lvl3pPr marL="684213" indent="-228600">
+              <a:lnSpc>
+                <a:spcPct val="100000"/>
+              </a:lnSpc>
+              <a:spcAft>
+                <a:spcPts val="600"/>
+              </a:spcAft>
+              <a:defRPr sz="1800">
+                <a:solidFill>
+                  <a:srgbClr val="232F3E"/>
+                </a:solidFill>
+              </a:defRPr>
+            </a:lvl3pPr>
+            <a:lvl4pPr marL="914400" indent="-228600">
+              <a:lnSpc>
+                <a:spcPct val="100000"/>
+              </a:lnSpc>
+              <a:spcAft>
+                <a:spcPts val="600"/>
+              </a:spcAft>
+              <a:defRPr sz="1600">
+                <a:solidFill>
+                  <a:srgbClr val="232F3E"/>
+                </a:solidFill>
+              </a:defRPr>
+            </a:lvl4pPr>
+            <a:lvl5pPr marL="1144588" indent="-228600">
+              <a:lnSpc>
+                <a:spcPct val="100000"/>
+              </a:lnSpc>
+              <a:spcAft>
+                <a:spcPts val="600"/>
+              </a:spcAft>
+              <a:defRPr sz="1600">
+                <a:solidFill>
+                  <a:srgbClr val="232F3E"/>
+                </a:solidFill>
+              </a:defRPr>
+            </a:lvl5pPr>
+          </a:lstStyle>
+          <a:p>
+            <a:pPr lvl="0"/>
+            <a:r>
+              <a:rPr lang="en-US" dirty="0"/>
+              <a:t>Add content text</a:t>
+            </a:r>
+          </a:p>
+          <a:p>
+            <a:pPr lvl="1"/>
+            <a:r>
+              <a:rPr lang="en-US" dirty="0"/>
+              <a:t>Second level</a:t>
+            </a:r>
+          </a:p>
+          <a:p>
+            <a:pPr lvl="2"/>
+            <a:r>
+              <a:rPr lang="en-US" dirty="0"/>
+              <a:t>Third level</a:t>
+            </a:r>
+          </a:p>
+          <a:p>
+            <a:pPr lvl="3"/>
+            <a:r>
+              <a:rPr lang="en-US" dirty="0"/>
+              <a:t>Avoid using fourth  level</a:t>
+            </a:r>
+          </a:p>
+          <a:p>
+            <a:pPr lvl="4"/>
+            <a:r>
+              <a:rPr lang="en-US" dirty="0"/>
+              <a:t>Avoid using fifth level</a:t>
+            </a:r>
+          </a:p>
+        </p:txBody>
+      </p:sp>
+      <p:sp>
+        <p:nvSpPr>
+          <p:cNvPr id="16" name="Content">
+            <a:extLst>
+              <a:ext uri="{FF2B5EF4-FFF2-40B4-BE49-F238E27FC236}">
+                <a16:creationId xmlns:a16="http://schemas.microsoft.com/office/drawing/2014/main" id="{491463B2-896E-48DF-883B-3A270A6CA491}"/>
+              </a:ext>
+            </a:extLst>
+          </p:cNvPr>
+          <p:cNvSpPr>
+            <a:spLocks noGrp="1"/>
+          </p:cNvSpPr>
+          <p:nvPr>
+            <p:ph idx="98" hasCustomPrompt="1"/>
+          </p:nvPr>
+        </p:nvSpPr>
+        <p:spPr>
+          <a:xfrm>
+            <a:off x="365760" y="1165536"/>
+            <a:ext cx="11466576" cy="1144979"/>
+          </a:xfrm>
+        </p:spPr>
+        <p:txBody>
+          <a:bodyPr>
+            <a:noAutofit/>
+          </a:bodyPr>
+          <a:lstStyle>
+            <a:lvl1pPr>
+              <a:lnSpc>
+                <a:spcPct val="100000"/>
+              </a:lnSpc>
+              <a:spcBef>
+                <a:spcPts val="1000"/>
+              </a:spcBef>
+              <a:spcAft>
+                <a:spcPts val="600"/>
+              </a:spcAft>
+              <a:buClr>
+                <a:schemeClr val="tx2"/>
+              </a:buClr>
+              <a:defRPr>
+                <a:solidFill>
+                  <a:srgbClr val="232F3E"/>
+                </a:solidFill>
+              </a:defRPr>
+            </a:lvl1pPr>
+            <a:lvl2pPr marL="457200" indent="-223838">
+              <a:lnSpc>
+                <a:spcPct val="100000"/>
+              </a:lnSpc>
+              <a:spcBef>
+                <a:spcPts val="500"/>
+              </a:spcBef>
+              <a:spcAft>
+                <a:spcPts val="600"/>
+              </a:spcAft>
+              <a:buClr>
+                <a:schemeClr val="tx2"/>
+              </a:buClr>
+              <a:tabLst/>
+              <a:defRPr>
+                <a:solidFill>
+                  <a:srgbClr val="232F3E"/>
+                </a:solidFill>
+              </a:defRPr>
+            </a:lvl2pPr>
+            <a:lvl3pPr marL="685800" indent="-228600">
+              <a:lnSpc>
+                <a:spcPct val="100000"/>
+              </a:lnSpc>
+              <a:spcBef>
+                <a:spcPts val="500"/>
+              </a:spcBef>
+              <a:spcAft>
+                <a:spcPts val="600"/>
+              </a:spcAft>
+              <a:buClr>
+                <a:schemeClr val="tx2"/>
+              </a:buClr>
+              <a:tabLst/>
+              <a:defRPr sz="2000">
+                <a:solidFill>
+                  <a:srgbClr val="232F3E"/>
+                </a:solidFill>
+              </a:defRPr>
+            </a:lvl3pPr>
+            <a:lvl4pPr marL="914400" indent="-228600">
+              <a:lnSpc>
+                <a:spcPct val="100000"/>
+              </a:lnSpc>
+              <a:spcBef>
+                <a:spcPts val="500"/>
+              </a:spcBef>
+              <a:spcAft>
+                <a:spcPts val="600"/>
+              </a:spcAft>
+              <a:buClr>
+                <a:schemeClr val="tx2"/>
+              </a:buClr>
+              <a:tabLst/>
+              <a:defRPr>
+                <a:solidFill>
+                  <a:srgbClr val="232F3E"/>
+                </a:solidFill>
+              </a:defRPr>
+            </a:lvl4pPr>
+            <a:lvl5pPr marL="1147763" indent="-233363">
+              <a:lnSpc>
+                <a:spcPct val="100000"/>
+              </a:lnSpc>
+              <a:spcBef>
+                <a:spcPts val="500"/>
+              </a:spcBef>
+              <a:spcAft>
+                <a:spcPts val="600"/>
+              </a:spcAft>
+              <a:buClr>
+                <a:schemeClr val="tx2"/>
+              </a:buClr>
+              <a:buFont typeface="Arial" panose="020B0604020202020204" pitchFamily="34" charset="0"/>
+              <a:buChar char="•"/>
+              <a:tabLst/>
+              <a:defRPr sz="1800">
+                <a:solidFill>
+                  <a:srgbClr val="232F3E"/>
+                </a:solidFill>
+              </a:defRPr>
+            </a:lvl5pPr>
+          </a:lstStyle>
+          <a:p>
+            <a:pPr lvl="0"/>
+            <a:r>
+              <a:rPr lang="en-US" dirty="0"/>
+              <a:t>Add content text</a:t>
+            </a:r>
+          </a:p>
+        </p:txBody>
+      </p:sp>
+      <p:pic>
+        <p:nvPicPr>
+          <p:cNvPr id="17" name="Divider">
+            <a:extLst>
+              <a:ext uri="{FF2B5EF4-FFF2-40B4-BE49-F238E27FC236}">
+                <a16:creationId xmlns:a16="http://schemas.microsoft.com/office/drawing/2014/main" id="{F0571610-941B-42FC-ADE6-CDD64B0C5620}"/>
+              </a:ext>
+              <a:ext uri="{C183D7F6-B498-43B3-948B-1728B52AA6E4}">
+                <adec:decorative xmlns:adec="http://schemas.microsoft.com/office/drawing/2017/decorative" val="1"/>
+              </a:ext>
+            </a:extLst>
+          </p:cNvPr>
+          <p:cNvPicPr>
+            <a:picLocks/>
+          </p:cNvPicPr>
+          <p:nvPr userDrawn="1"/>
+        </p:nvPicPr>
+        <p:blipFill>
+          <a:blip r:embed="rId4">
+            <a:extLst>
+              <a:ext uri="{28A0092B-C50C-407E-A947-70E740481C1C}">
+                <a14:useLocalDpi xmlns:a14="http://schemas.microsoft.com/office/drawing/2010/main" val="0"/>
+              </a:ext>
+            </a:extLst>
+          </a:blip>
+          <a:stretch>
+            <a:fillRect/>
+          </a:stretch>
+        </p:blipFill>
+        <p:spPr>
+          <a:xfrm>
+            <a:off x="365759" y="1028377"/>
+            <a:ext cx="11484864" cy="45720"/>
+          </a:xfrm>
+          <a:prstGeom prst="rect">
+            <a:avLst/>
+          </a:prstGeom>
+        </p:spPr>
+      </p:pic>
+    </p:spTree>
+    <p:custDataLst>
+      <p:tags r:id="rId1"/>
+    </p:custDataLst>
+    <p:extLst>
+      <p:ext uri="{BB962C8B-B14F-4D97-AF65-F5344CB8AC3E}">
+        <p14:creationId xmlns:p14="http://schemas.microsoft.com/office/powerpoint/2010/main" val="922959349"/>
+      </p:ext>
+    </p:extLst>
+  </p:cSld>
+  <p:clrMapOvr>
+    <a:masterClrMapping/>
+  </p:clrMapOvr>
+</p:sldLayout>
+</file>
+
+<file path=ppt/slideLayouts/slideLayout13.xml><?xml version="1.0" encoding="utf-8"?>
+<p:sldLayout xmlns:a="http://schemas.openxmlformats.org/drawingml/2006/main" xmlns:r="http://schemas.openxmlformats.org/officeDocument/2006/relationships" xmlns:p="http://schemas.openxmlformats.org/presentationml/2006/main" preserve="1" userDrawn="1">
+  <p:cSld name="2_Title, 4 Headers, and 4 Text Columns">
+    <p:bg>
+      <p:bgPr>
+        <a:solidFill>
+          <a:schemeClr val="bg1"/>
+        </a:solidFill>
+        <a:effectLst/>
+      </p:bgPr>
+    </p:bg>
+    <p:spTree>
+      <p:nvGrpSpPr>
+        <p:cNvPr id="1" name=""/>
+        <p:cNvGrpSpPr/>
+        <p:nvPr/>
+      </p:nvGrpSpPr>
+      <p:grpSpPr>
+        <a:xfrm>
+          <a:off x="0" y="0"/>
+          <a:ext cx="0" cy="0"/>
+          <a:chOff x="0" y="0"/>
+          <a:chExt cx="0" cy="0"/>
+        </a:xfrm>
+      </p:grpSpPr>
+      <p:pic>
+        <p:nvPicPr>
+          <p:cNvPr id="99" name="Background">
+            <a:extLst>
+              <a:ext uri="{FF2B5EF4-FFF2-40B4-BE49-F238E27FC236}">
+                <a16:creationId xmlns:a16="http://schemas.microsoft.com/office/drawing/2014/main" id="{DFFC9D1B-8040-4CD3-B060-07560FFB49A0}"/>
+              </a:ext>
+              <a:ext uri="{C183D7F6-B498-43B3-948B-1728B52AA6E4}">
+                <adec:decorative xmlns:adec="http://schemas.microsoft.com/office/drawing/2017/decorative" val="1"/>
+              </a:ext>
+            </a:extLst>
+          </p:cNvPr>
+          <p:cNvPicPr>
+            <a:picLocks/>
+          </p:cNvPicPr>
+          <p:nvPr/>
+        </p:nvPicPr>
+        <p:blipFill>
+          <a:blip r:embed="rId3">
+            <a:extLst>
+              <a:ext uri="{28A0092B-C50C-407E-A947-70E740481C1C}">
+                <a14:useLocalDpi xmlns:a14="http://schemas.microsoft.com/office/drawing/2010/main" val="0"/>
+              </a:ext>
+            </a:extLst>
+          </a:blip>
+          <a:stretch>
+            <a:fillRect/>
+          </a:stretch>
+        </p:blipFill>
+        <p:spPr>
+          <a:xfrm>
+            <a:off x="384048" y="3308858"/>
+            <a:ext cx="11484864" cy="440328"/>
+          </a:xfrm>
+          <a:prstGeom prst="rect">
+            <a:avLst/>
+          </a:prstGeom>
+        </p:spPr>
+      </p:pic>
+      <p:sp>
+        <p:nvSpPr>
+          <p:cNvPr id="97" name="Slide Number">
+            <a:extLst>
+              <a:ext uri="{FF2B5EF4-FFF2-40B4-BE49-F238E27FC236}">
+                <a16:creationId xmlns:a16="http://schemas.microsoft.com/office/drawing/2014/main" id="{801112C1-CB8D-4535-B2A1-5048E573106F}"/>
+              </a:ext>
+            </a:extLst>
+          </p:cNvPr>
+          <p:cNvSpPr>
+            <a:spLocks noGrp="1"/>
+          </p:cNvSpPr>
+          <p:nvPr>
+            <p:ph type="sldNum" idx="97"/>
+          </p:nvPr>
+        </p:nvSpPr>
+        <p:spPr>
+          <a:xfrm>
+            <a:off x="11347704" y="6446520"/>
+            <a:ext cx="484632" cy="228600"/>
+          </a:xfrm>
+        </p:spPr>
+        <p:txBody>
+          <a:bodyPr/>
+          <a:lstStyle>
+            <a:lvl1pPr>
+              <a:defRPr>
+                <a:solidFill>
+                  <a:srgbClr val="232F3E"/>
+                </a:solidFill>
+              </a:defRPr>
+            </a:lvl1pPr>
+          </a:lstStyle>
+          <a:p>
+            <a:fld id="{4037B1B0-0345-4E15-985A-6BECCDBE474F}" type="slidenum">
+              <a:rPr lang="en-US" smtClean="0"/>
+              <a:pPr/>
+              <a:t>‹#›</a:t>
+            </a:fld>
+            <a:endParaRPr lang="en-US" dirty="0"/>
+          </a:p>
+        </p:txBody>
+      </p:sp>
+      <p:sp>
+        <p:nvSpPr>
+          <p:cNvPr id="6" name="Title">
+            <a:extLst>
+              <a:ext uri="{FF2B5EF4-FFF2-40B4-BE49-F238E27FC236}">
+                <a16:creationId xmlns:a16="http://schemas.microsoft.com/office/drawing/2014/main" id="{75DBD6AA-5E11-44A8-900B-2519518B0622}"/>
+              </a:ext>
+            </a:extLst>
+          </p:cNvPr>
+          <p:cNvSpPr>
+            <a:spLocks noGrp="1"/>
+          </p:cNvSpPr>
+          <p:nvPr>
+            <p:ph type="title" idx="1" hasCustomPrompt="1"/>
+          </p:nvPr>
+        </p:nvSpPr>
+        <p:spPr>
+          <a:xfrm>
+            <a:off x="365760" y="301752"/>
+            <a:ext cx="11466576" cy="731318"/>
+          </a:xfrm>
+        </p:spPr>
+        <p:txBody>
+          <a:bodyPr/>
+          <a:lstStyle>
+            <a:lvl1pPr>
+              <a:defRPr>
+                <a:solidFill>
+                  <a:srgbClr val="232F3E"/>
+                </a:solidFill>
+                <a:latin typeface="Amazon Ember Display Heavy"/>
+              </a:defRPr>
+            </a:lvl1pPr>
+          </a:lstStyle>
+          <a:p>
+            <a:r>
+              <a:rPr lang="en-US" dirty="0"/>
+              <a:t>Title, 4 headers, and 4 text columns half way</a:t>
+            </a:r>
+          </a:p>
+        </p:txBody>
+      </p:sp>
+      <p:sp>
+        <p:nvSpPr>
+          <p:cNvPr id="12" name="Content Header Left">
+            <a:extLst>
+              <a:ext uri="{FF2B5EF4-FFF2-40B4-BE49-F238E27FC236}">
+                <a16:creationId xmlns:a16="http://schemas.microsoft.com/office/drawing/2014/main" id="{CEBB69C5-28A4-4F99-A9FE-572F9D53CF4E}"/>
+              </a:ext>
+            </a:extLst>
+          </p:cNvPr>
+          <p:cNvSpPr>
+            <a:spLocks noGrp="1"/>
+          </p:cNvSpPr>
+          <p:nvPr>
+            <p:ph type="body" idx="12" hasCustomPrompt="1"/>
+          </p:nvPr>
+        </p:nvSpPr>
+        <p:spPr>
+          <a:xfrm>
+            <a:off x="384048" y="3308857"/>
+            <a:ext cx="2788920" cy="440329"/>
+          </a:xfrm>
+          <a:noFill/>
+          <a:ln>
+            <a:noFill/>
+          </a:ln>
+        </p:spPr>
+        <p:txBody>
+          <a:bodyPr lIns="91440" anchor="ctr">
+            <a:noAutofit/>
+          </a:bodyPr>
+          <a:lstStyle>
+            <a:lvl1pPr marL="60325" indent="0">
+              <a:lnSpc>
+                <a:spcPct val="100000"/>
+              </a:lnSpc>
+              <a:spcBef>
+                <a:spcPts val="0"/>
+              </a:spcBef>
+              <a:spcAft>
+                <a:spcPts val="0"/>
+              </a:spcAft>
+              <a:buNone/>
+              <a:defRPr sz="2400" b="0">
+                <a:solidFill>
+                  <a:schemeClr val="bg1"/>
+                </a:solidFill>
+                <a:latin typeface="+mn-lt"/>
+                <a:ea typeface="Amazon Ember Heavy" panose="020B0803020204020204" pitchFamily="34" charset="0"/>
+                <a:cs typeface="Amazon Ember Heavy" panose="020B0803020204020204" pitchFamily="34" charset="0"/>
+              </a:defRPr>
+            </a:lvl1pPr>
+            <a:lvl2pPr marL="457200" indent="0">
+              <a:buNone/>
+              <a:defRPr sz="2000" b="1"/>
+            </a:lvl2pPr>
+            <a:lvl3pPr marL="914400" indent="0">
+              <a:buNone/>
+              <a:defRPr sz="1800" b="1"/>
+            </a:lvl3pPr>
+            <a:lvl4pPr marL="1371600" indent="0">
+              <a:buNone/>
+              <a:defRPr sz="1600" b="1"/>
+            </a:lvl4pPr>
+            <a:lvl5pPr marL="1828800" indent="0">
+              <a:buNone/>
+              <a:defRPr sz="1600" b="1"/>
+            </a:lvl5pPr>
+            <a:lvl6pPr marL="2286000" indent="0">
+              <a:buNone/>
+              <a:defRPr sz="1600" b="1"/>
+            </a:lvl6pPr>
+            <a:lvl7pPr marL="2743200" indent="0">
+              <a:buNone/>
+              <a:defRPr sz="1600" b="1"/>
+            </a:lvl7pPr>
+            <a:lvl8pPr marL="3200400" indent="0">
+              <a:buNone/>
+              <a:defRPr sz="1600" b="1"/>
+            </a:lvl8pPr>
+            <a:lvl9pPr marL="3657600" indent="0">
+              <a:buNone/>
+              <a:defRPr sz="1600" b="1"/>
+            </a:lvl9pPr>
+          </a:lstStyle>
+          <a:p>
+            <a:pPr lvl="0"/>
+            <a:r>
+              <a:rPr lang="en-US" dirty="0"/>
+              <a:t>Enter header text</a:t>
+            </a:r>
+          </a:p>
+        </p:txBody>
+      </p:sp>
+      <p:sp>
+        <p:nvSpPr>
+          <p:cNvPr id="2" name="Content Left">
+            <a:extLst>
+              <a:ext uri="{FF2B5EF4-FFF2-40B4-BE49-F238E27FC236}">
+                <a16:creationId xmlns:a16="http://schemas.microsoft.com/office/drawing/2014/main" id="{5ACBD598-6775-4223-B2AB-B169A112E3FF}"/>
+              </a:ext>
+            </a:extLst>
+          </p:cNvPr>
+          <p:cNvSpPr>
+            <a:spLocks noGrp="1"/>
+          </p:cNvSpPr>
+          <p:nvPr>
+            <p:ph type="body" idx="2" hasCustomPrompt="1"/>
+          </p:nvPr>
+        </p:nvSpPr>
+        <p:spPr>
+          <a:xfrm>
+            <a:off x="365760" y="3840480"/>
+            <a:ext cx="2788920" cy="2606039"/>
+          </a:xfrm>
+        </p:spPr>
+        <p:txBody>
+          <a:bodyPr>
+            <a:noAutofit/>
+          </a:bodyPr>
+          <a:lstStyle>
+            <a:lvl1pPr>
+              <a:lnSpc>
+                <a:spcPct val="100000"/>
+              </a:lnSpc>
+              <a:spcAft>
+                <a:spcPts val="600"/>
+              </a:spcAft>
+              <a:defRPr sz="2400">
+                <a:solidFill>
+                  <a:srgbClr val="232F3E"/>
+                </a:solidFill>
+              </a:defRPr>
+            </a:lvl1pPr>
+            <a:lvl2pPr marL="461963" indent="-228600">
+              <a:lnSpc>
+                <a:spcPct val="100000"/>
+              </a:lnSpc>
+              <a:spcAft>
+                <a:spcPts val="600"/>
+              </a:spcAft>
+              <a:defRPr sz="2000">
+                <a:solidFill>
+                  <a:srgbClr val="232F3E"/>
+                </a:solidFill>
+              </a:defRPr>
+            </a:lvl2pPr>
+            <a:lvl3pPr marL="684213" indent="-228600">
+              <a:lnSpc>
+                <a:spcPct val="100000"/>
+              </a:lnSpc>
+              <a:spcAft>
+                <a:spcPts val="600"/>
+              </a:spcAft>
+              <a:defRPr sz="1800">
+                <a:solidFill>
+                  <a:srgbClr val="232F3E"/>
+                </a:solidFill>
+              </a:defRPr>
+            </a:lvl3pPr>
+            <a:lvl4pPr marL="914400" indent="-228600">
+              <a:lnSpc>
+                <a:spcPct val="100000"/>
+              </a:lnSpc>
+              <a:spcAft>
+                <a:spcPts val="600"/>
+              </a:spcAft>
+              <a:defRPr sz="1600">
+                <a:solidFill>
+                  <a:srgbClr val="232F3E"/>
+                </a:solidFill>
+              </a:defRPr>
+            </a:lvl4pPr>
+            <a:lvl5pPr marL="1144588" indent="-228600">
+              <a:lnSpc>
+                <a:spcPct val="100000"/>
+              </a:lnSpc>
+              <a:spcAft>
+                <a:spcPts val="600"/>
+              </a:spcAft>
+              <a:defRPr sz="1600">
+                <a:solidFill>
+                  <a:srgbClr val="232F3E"/>
+                </a:solidFill>
+              </a:defRPr>
+            </a:lvl5pPr>
+          </a:lstStyle>
+          <a:p>
+            <a:pPr lvl="0"/>
+            <a:r>
+              <a:rPr lang="en-US" dirty="0"/>
+              <a:t>Add content text</a:t>
+            </a:r>
+          </a:p>
+          <a:p>
+            <a:pPr lvl="1"/>
+            <a:r>
+              <a:rPr lang="en-US" dirty="0"/>
+              <a:t>Second level</a:t>
+            </a:r>
+          </a:p>
+          <a:p>
+            <a:pPr lvl="2"/>
+            <a:r>
+              <a:rPr lang="en-US" dirty="0"/>
+              <a:t>Third level</a:t>
+            </a:r>
+          </a:p>
+          <a:p>
+            <a:pPr lvl="3"/>
+            <a:r>
+              <a:rPr lang="en-US" dirty="0"/>
+              <a:t>Avoid using fourth  level</a:t>
+            </a:r>
+          </a:p>
+          <a:p>
+            <a:pPr lvl="4"/>
+            <a:r>
+              <a:rPr lang="en-US" dirty="0"/>
+              <a:t>Avoid using fifth level</a:t>
+            </a:r>
+          </a:p>
+        </p:txBody>
+      </p:sp>
+      <p:sp>
+        <p:nvSpPr>
+          <p:cNvPr id="13" name="Content Header Center Left">
+            <a:extLst>
+              <a:ext uri="{FF2B5EF4-FFF2-40B4-BE49-F238E27FC236}">
+                <a16:creationId xmlns:a16="http://schemas.microsoft.com/office/drawing/2014/main" id="{04C41CFA-9BF9-474A-89A9-E22790A538E2}"/>
+              </a:ext>
+            </a:extLst>
+          </p:cNvPr>
+          <p:cNvSpPr>
+            <a:spLocks noGrp="1"/>
+          </p:cNvSpPr>
+          <p:nvPr>
+            <p:ph type="body" idx="13" hasCustomPrompt="1"/>
+          </p:nvPr>
+        </p:nvSpPr>
+        <p:spPr>
+          <a:xfrm>
+            <a:off x="3282696" y="3308857"/>
+            <a:ext cx="2788920" cy="440329"/>
+          </a:xfrm>
+          <a:noFill/>
+          <a:ln>
+            <a:noFill/>
+          </a:ln>
+        </p:spPr>
+        <p:txBody>
+          <a:bodyPr lIns="91440" anchor="ctr">
+            <a:noAutofit/>
+          </a:bodyPr>
+          <a:lstStyle>
+            <a:lvl1pPr marL="60325" indent="0">
+              <a:lnSpc>
+                <a:spcPct val="100000"/>
+              </a:lnSpc>
+              <a:spcBef>
+                <a:spcPts val="0"/>
+              </a:spcBef>
+              <a:spcAft>
+                <a:spcPts val="0"/>
+              </a:spcAft>
+              <a:buNone/>
+              <a:defRPr sz="2400" b="0">
+                <a:solidFill>
+                  <a:schemeClr val="bg1"/>
+                </a:solidFill>
+                <a:latin typeface="+mn-lt"/>
+                <a:ea typeface="Amazon Ember Heavy" panose="020B0803020204020204" pitchFamily="34" charset="0"/>
+                <a:cs typeface="Amazon Ember Heavy" panose="020B0803020204020204" pitchFamily="34" charset="0"/>
+              </a:defRPr>
+            </a:lvl1pPr>
+            <a:lvl2pPr marL="457200" indent="0">
+              <a:buNone/>
+              <a:defRPr sz="2000" b="1"/>
+            </a:lvl2pPr>
+            <a:lvl3pPr marL="914400" indent="0">
+              <a:buNone/>
+              <a:defRPr sz="1800" b="1"/>
+            </a:lvl3pPr>
+            <a:lvl4pPr marL="1371600" indent="0">
+              <a:buNone/>
+              <a:defRPr sz="1600" b="1"/>
+            </a:lvl4pPr>
+            <a:lvl5pPr marL="1828800" indent="0">
+              <a:buNone/>
+              <a:defRPr sz="1600" b="1"/>
+            </a:lvl5pPr>
+            <a:lvl6pPr marL="2286000" indent="0">
+              <a:buNone/>
+              <a:defRPr sz="1600" b="1"/>
+            </a:lvl6pPr>
+            <a:lvl7pPr marL="2743200" indent="0">
+              <a:buNone/>
+              <a:defRPr sz="1600" b="1"/>
+            </a:lvl7pPr>
+            <a:lvl8pPr marL="3200400" indent="0">
+              <a:buNone/>
+              <a:defRPr sz="1600" b="1"/>
+            </a:lvl8pPr>
+            <a:lvl9pPr marL="3657600" indent="0">
+              <a:buNone/>
+              <a:defRPr sz="1600" b="1"/>
+            </a:lvl9pPr>
+          </a:lstStyle>
+          <a:p>
+            <a:pPr lvl="0"/>
+            <a:r>
+              <a:rPr lang="en-US" dirty="0"/>
+              <a:t>Enter header text</a:t>
+            </a:r>
+          </a:p>
+        </p:txBody>
+      </p:sp>
+      <p:sp>
+        <p:nvSpPr>
+          <p:cNvPr id="3" name="Content Center Left">
+            <a:extLst>
+              <a:ext uri="{FF2B5EF4-FFF2-40B4-BE49-F238E27FC236}">
+                <a16:creationId xmlns:a16="http://schemas.microsoft.com/office/drawing/2014/main" id="{7F5B85B9-BABC-44F6-B2AE-99F02670D702}"/>
+              </a:ext>
+            </a:extLst>
+          </p:cNvPr>
+          <p:cNvSpPr>
+            <a:spLocks noGrp="1"/>
+          </p:cNvSpPr>
+          <p:nvPr>
+            <p:ph type="body" idx="3" hasCustomPrompt="1"/>
+          </p:nvPr>
+        </p:nvSpPr>
+        <p:spPr>
+          <a:xfrm>
+            <a:off x="3264408" y="3840480"/>
+            <a:ext cx="2788920" cy="2606039"/>
+          </a:xfrm>
+        </p:spPr>
+        <p:txBody>
+          <a:bodyPr>
+            <a:noAutofit/>
+          </a:bodyPr>
+          <a:lstStyle>
+            <a:lvl1pPr>
+              <a:lnSpc>
+                <a:spcPct val="100000"/>
+              </a:lnSpc>
+              <a:spcAft>
+                <a:spcPts val="600"/>
+              </a:spcAft>
+              <a:defRPr sz="2400">
+                <a:solidFill>
+                  <a:srgbClr val="232F3E"/>
+                </a:solidFill>
+              </a:defRPr>
+            </a:lvl1pPr>
+            <a:lvl2pPr marL="461963" indent="-228600">
+              <a:lnSpc>
+                <a:spcPct val="100000"/>
+              </a:lnSpc>
+              <a:spcAft>
+                <a:spcPts val="600"/>
+              </a:spcAft>
+              <a:defRPr sz="2000">
+                <a:solidFill>
+                  <a:srgbClr val="232F3E"/>
+                </a:solidFill>
+              </a:defRPr>
+            </a:lvl2pPr>
+            <a:lvl3pPr marL="684213" indent="-228600">
+              <a:lnSpc>
+                <a:spcPct val="100000"/>
+              </a:lnSpc>
+              <a:spcAft>
+                <a:spcPts val="600"/>
+              </a:spcAft>
+              <a:defRPr sz="1800">
+                <a:solidFill>
+                  <a:srgbClr val="232F3E"/>
+                </a:solidFill>
+              </a:defRPr>
+            </a:lvl3pPr>
+            <a:lvl4pPr marL="914400" indent="-228600">
+              <a:lnSpc>
+                <a:spcPct val="100000"/>
+              </a:lnSpc>
+              <a:spcAft>
+                <a:spcPts val="600"/>
+              </a:spcAft>
+              <a:defRPr sz="1600">
+                <a:solidFill>
+                  <a:srgbClr val="232F3E"/>
+                </a:solidFill>
+              </a:defRPr>
+            </a:lvl4pPr>
+            <a:lvl5pPr marL="1144588" indent="-228600">
+              <a:lnSpc>
+                <a:spcPct val="100000"/>
+              </a:lnSpc>
+              <a:spcAft>
+                <a:spcPts val="600"/>
+              </a:spcAft>
+              <a:defRPr sz="1600">
+                <a:solidFill>
+                  <a:srgbClr val="232F3E"/>
+                </a:solidFill>
+              </a:defRPr>
+            </a:lvl5pPr>
+          </a:lstStyle>
+          <a:p>
+            <a:pPr lvl="0"/>
+            <a:r>
+              <a:rPr lang="en-US" dirty="0"/>
+              <a:t>Add content text</a:t>
+            </a:r>
+          </a:p>
+          <a:p>
+            <a:pPr lvl="1"/>
+            <a:r>
+              <a:rPr lang="en-US" dirty="0"/>
+              <a:t>Second level</a:t>
+            </a:r>
+          </a:p>
+          <a:p>
+            <a:pPr lvl="2"/>
+            <a:r>
+              <a:rPr lang="en-US" dirty="0"/>
+              <a:t>Third level</a:t>
+            </a:r>
+          </a:p>
+          <a:p>
+            <a:pPr lvl="3"/>
+            <a:r>
+              <a:rPr lang="en-US" dirty="0"/>
+              <a:t>Avoid using fourth  level</a:t>
+            </a:r>
+          </a:p>
+          <a:p>
+            <a:pPr lvl="4"/>
+            <a:r>
+              <a:rPr lang="en-US" dirty="0"/>
+              <a:t>Avoid using fifth level</a:t>
+            </a:r>
+          </a:p>
+        </p:txBody>
+      </p:sp>
+      <p:sp>
+        <p:nvSpPr>
+          <p:cNvPr id="14" name="Content Header Center Right">
+            <a:extLst>
+              <a:ext uri="{FF2B5EF4-FFF2-40B4-BE49-F238E27FC236}">
+                <a16:creationId xmlns:a16="http://schemas.microsoft.com/office/drawing/2014/main" id="{B3EBECE3-35F9-4AF4-A8A7-FD546C7C32D6}"/>
+              </a:ext>
+            </a:extLst>
+          </p:cNvPr>
+          <p:cNvSpPr>
+            <a:spLocks noGrp="1"/>
+          </p:cNvSpPr>
+          <p:nvPr>
+            <p:ph type="body" idx="14" hasCustomPrompt="1"/>
+          </p:nvPr>
+        </p:nvSpPr>
+        <p:spPr>
+          <a:xfrm>
+            <a:off x="6181344" y="3308857"/>
+            <a:ext cx="2788920" cy="440329"/>
+          </a:xfrm>
+          <a:noFill/>
+          <a:ln>
+            <a:noFill/>
+          </a:ln>
+        </p:spPr>
+        <p:txBody>
+          <a:bodyPr lIns="91440" anchor="ctr">
+            <a:noAutofit/>
+          </a:bodyPr>
+          <a:lstStyle>
+            <a:lvl1pPr marL="60325" indent="0">
+              <a:lnSpc>
+                <a:spcPct val="100000"/>
+              </a:lnSpc>
+              <a:spcBef>
+                <a:spcPts val="0"/>
+              </a:spcBef>
+              <a:spcAft>
+                <a:spcPts val="0"/>
+              </a:spcAft>
+              <a:buNone/>
+              <a:defRPr sz="2400" b="0">
+                <a:solidFill>
+                  <a:schemeClr val="bg1"/>
+                </a:solidFill>
+                <a:latin typeface="+mn-lt"/>
+                <a:ea typeface="Amazon Ember Heavy" panose="020B0803020204020204" pitchFamily="34" charset="0"/>
+                <a:cs typeface="Amazon Ember Heavy" panose="020B0803020204020204" pitchFamily="34" charset="0"/>
+              </a:defRPr>
+            </a:lvl1pPr>
+            <a:lvl2pPr marL="457200" indent="0">
+              <a:buNone/>
+              <a:defRPr sz="2000" b="1"/>
+            </a:lvl2pPr>
+            <a:lvl3pPr marL="914400" indent="0">
+              <a:buNone/>
+              <a:defRPr sz="1800" b="1"/>
+            </a:lvl3pPr>
+            <a:lvl4pPr marL="1371600" indent="0">
+              <a:buNone/>
+              <a:defRPr sz="1600" b="1"/>
+            </a:lvl4pPr>
+            <a:lvl5pPr marL="1828800" indent="0">
+              <a:buNone/>
+              <a:defRPr sz="1600" b="1"/>
+            </a:lvl5pPr>
+            <a:lvl6pPr marL="2286000" indent="0">
+              <a:buNone/>
+              <a:defRPr sz="1600" b="1"/>
+            </a:lvl6pPr>
+            <a:lvl7pPr marL="2743200" indent="0">
+              <a:buNone/>
+              <a:defRPr sz="1600" b="1"/>
+            </a:lvl7pPr>
+            <a:lvl8pPr marL="3200400" indent="0">
+              <a:buNone/>
+              <a:defRPr sz="1600" b="1"/>
+            </a:lvl8pPr>
+            <a:lvl9pPr marL="3657600" indent="0">
+              <a:buNone/>
+              <a:defRPr sz="1600" b="1"/>
+            </a:lvl9pPr>
+          </a:lstStyle>
+          <a:p>
+            <a:pPr lvl="0"/>
+            <a:r>
+              <a:rPr lang="en-US" dirty="0"/>
+              <a:t>Enter header text</a:t>
+            </a:r>
+          </a:p>
+        </p:txBody>
+      </p:sp>
+      <p:sp>
+        <p:nvSpPr>
+          <p:cNvPr id="4" name="Content Center Right">
+            <a:extLst>
+              <a:ext uri="{FF2B5EF4-FFF2-40B4-BE49-F238E27FC236}">
+                <a16:creationId xmlns:a16="http://schemas.microsoft.com/office/drawing/2014/main" id="{92466994-EA21-45EA-9DC6-3C179254B3A8}"/>
+              </a:ext>
+            </a:extLst>
+          </p:cNvPr>
+          <p:cNvSpPr>
+            <a:spLocks noGrp="1"/>
+          </p:cNvSpPr>
+          <p:nvPr>
+            <p:ph type="body" idx="4" hasCustomPrompt="1"/>
+          </p:nvPr>
+        </p:nvSpPr>
+        <p:spPr>
+          <a:xfrm>
+            <a:off x="6163056" y="3840480"/>
+            <a:ext cx="2788920" cy="2606039"/>
+          </a:xfrm>
+        </p:spPr>
+        <p:txBody>
+          <a:bodyPr>
+            <a:noAutofit/>
+          </a:bodyPr>
+          <a:lstStyle>
+            <a:lvl1pPr>
+              <a:lnSpc>
+                <a:spcPct val="100000"/>
+              </a:lnSpc>
+              <a:spcAft>
+                <a:spcPts val="600"/>
+              </a:spcAft>
+              <a:defRPr sz="2400">
+                <a:solidFill>
+                  <a:srgbClr val="232F3E"/>
+                </a:solidFill>
+              </a:defRPr>
+            </a:lvl1pPr>
+            <a:lvl2pPr marL="461963" indent="-228600">
+              <a:lnSpc>
+                <a:spcPct val="100000"/>
+              </a:lnSpc>
+              <a:spcAft>
+                <a:spcPts val="600"/>
+              </a:spcAft>
+              <a:defRPr sz="2000">
+                <a:solidFill>
+                  <a:srgbClr val="232F3E"/>
+                </a:solidFill>
+              </a:defRPr>
+            </a:lvl2pPr>
+            <a:lvl3pPr marL="684213" indent="-228600">
+              <a:lnSpc>
+                <a:spcPct val="100000"/>
+              </a:lnSpc>
+              <a:spcAft>
+                <a:spcPts val="600"/>
+              </a:spcAft>
+              <a:defRPr sz="1800">
+                <a:solidFill>
+                  <a:srgbClr val="232F3E"/>
+                </a:solidFill>
+              </a:defRPr>
+            </a:lvl3pPr>
+            <a:lvl4pPr marL="914400" indent="-228600">
+              <a:lnSpc>
+                <a:spcPct val="100000"/>
+              </a:lnSpc>
+              <a:spcAft>
+                <a:spcPts val="600"/>
+              </a:spcAft>
+              <a:defRPr sz="1600">
+                <a:solidFill>
+                  <a:srgbClr val="232F3E"/>
+                </a:solidFill>
+              </a:defRPr>
+            </a:lvl4pPr>
+            <a:lvl5pPr marL="1144588" indent="-228600">
+              <a:lnSpc>
+                <a:spcPct val="100000"/>
+              </a:lnSpc>
+              <a:spcAft>
+                <a:spcPts val="600"/>
+              </a:spcAft>
+              <a:defRPr sz="1600">
+                <a:solidFill>
+                  <a:srgbClr val="232F3E"/>
+                </a:solidFill>
+              </a:defRPr>
+            </a:lvl5pPr>
+          </a:lstStyle>
+          <a:p>
+            <a:pPr lvl="0"/>
+            <a:r>
+              <a:rPr lang="en-US" dirty="0"/>
+              <a:t>Add content text</a:t>
+            </a:r>
+          </a:p>
+          <a:p>
+            <a:pPr lvl="1"/>
+            <a:r>
+              <a:rPr lang="en-US" dirty="0"/>
+              <a:t>Second level</a:t>
+            </a:r>
+          </a:p>
+          <a:p>
+            <a:pPr lvl="2"/>
+            <a:r>
+              <a:rPr lang="en-US" dirty="0"/>
+              <a:t>Third level</a:t>
+            </a:r>
+          </a:p>
+          <a:p>
+            <a:pPr lvl="3"/>
+            <a:r>
+              <a:rPr lang="en-US" dirty="0"/>
+              <a:t>Avoid using fourth  level</a:t>
+            </a:r>
+          </a:p>
+          <a:p>
+            <a:pPr lvl="4"/>
+            <a:r>
+              <a:rPr lang="en-US" dirty="0"/>
+              <a:t>Avoid using fifth level</a:t>
+            </a:r>
+          </a:p>
+        </p:txBody>
+      </p:sp>
+      <p:sp>
+        <p:nvSpPr>
+          <p:cNvPr id="15" name="Content Header Right">
+            <a:extLst>
+              <a:ext uri="{FF2B5EF4-FFF2-40B4-BE49-F238E27FC236}">
+                <a16:creationId xmlns:a16="http://schemas.microsoft.com/office/drawing/2014/main" id="{ED932AC6-C3A8-487A-A17E-48D0C368204C}"/>
+              </a:ext>
+            </a:extLst>
+          </p:cNvPr>
+          <p:cNvSpPr>
+            <a:spLocks noGrp="1"/>
+          </p:cNvSpPr>
+          <p:nvPr>
+            <p:ph type="body" idx="15" hasCustomPrompt="1"/>
+          </p:nvPr>
+        </p:nvSpPr>
+        <p:spPr>
+          <a:xfrm>
+            <a:off x="9079992" y="3308857"/>
+            <a:ext cx="2788920" cy="440329"/>
+          </a:xfrm>
+          <a:noFill/>
+          <a:ln>
+            <a:noFill/>
+          </a:ln>
+        </p:spPr>
+        <p:txBody>
+          <a:bodyPr lIns="91440" anchor="ctr">
+            <a:noAutofit/>
+          </a:bodyPr>
+          <a:lstStyle>
+            <a:lvl1pPr marL="60325" indent="0">
+              <a:lnSpc>
+                <a:spcPct val="100000"/>
+              </a:lnSpc>
+              <a:spcBef>
+                <a:spcPts val="0"/>
+              </a:spcBef>
+              <a:spcAft>
+                <a:spcPts val="0"/>
+              </a:spcAft>
+              <a:buNone/>
+              <a:defRPr sz="2400" b="0">
+                <a:solidFill>
+                  <a:schemeClr val="bg1"/>
+                </a:solidFill>
+                <a:latin typeface="+mn-lt"/>
+                <a:ea typeface="Amazon Ember Heavy" panose="020B0803020204020204" pitchFamily="34" charset="0"/>
+                <a:cs typeface="Amazon Ember Heavy" panose="020B0803020204020204" pitchFamily="34" charset="0"/>
+              </a:defRPr>
+            </a:lvl1pPr>
+            <a:lvl2pPr marL="457200" indent="0">
+              <a:buNone/>
+              <a:defRPr sz="2000" b="1"/>
+            </a:lvl2pPr>
+            <a:lvl3pPr marL="914400" indent="0">
+              <a:buNone/>
+              <a:defRPr sz="1800" b="1"/>
+            </a:lvl3pPr>
+            <a:lvl4pPr marL="1371600" indent="0">
+              <a:buNone/>
+              <a:defRPr sz="1600" b="1"/>
+            </a:lvl4pPr>
+            <a:lvl5pPr marL="1828800" indent="0">
+              <a:buNone/>
+              <a:defRPr sz="1600" b="1"/>
+            </a:lvl5pPr>
+            <a:lvl6pPr marL="2286000" indent="0">
+              <a:buNone/>
+              <a:defRPr sz="1600" b="1"/>
+            </a:lvl6pPr>
+            <a:lvl7pPr marL="2743200" indent="0">
+              <a:buNone/>
+              <a:defRPr sz="1600" b="1"/>
+            </a:lvl7pPr>
+            <a:lvl8pPr marL="3200400" indent="0">
+              <a:buNone/>
+              <a:defRPr sz="1600" b="1"/>
+            </a:lvl8pPr>
+            <a:lvl9pPr marL="3657600" indent="0">
+              <a:buNone/>
+              <a:defRPr sz="1600" b="1"/>
+            </a:lvl9pPr>
+          </a:lstStyle>
+          <a:p>
+            <a:pPr lvl="0"/>
+            <a:r>
+              <a:rPr lang="en-US" dirty="0"/>
+              <a:t>Enter header text</a:t>
+            </a:r>
+          </a:p>
+        </p:txBody>
+      </p:sp>
+      <p:sp>
+        <p:nvSpPr>
+          <p:cNvPr id="5" name="Content Right">
+            <a:extLst>
+              <a:ext uri="{FF2B5EF4-FFF2-40B4-BE49-F238E27FC236}">
+                <a16:creationId xmlns:a16="http://schemas.microsoft.com/office/drawing/2014/main" id="{7CF59EA0-9039-4A19-8197-DA073A0DB52B}"/>
+              </a:ext>
+            </a:extLst>
+          </p:cNvPr>
+          <p:cNvSpPr>
+            <a:spLocks noGrp="1"/>
+          </p:cNvSpPr>
+          <p:nvPr>
+            <p:ph type="body" idx="5" hasCustomPrompt="1"/>
+          </p:nvPr>
+        </p:nvSpPr>
+        <p:spPr>
+          <a:xfrm>
+            <a:off x="9061704" y="3840480"/>
+            <a:ext cx="2788920" cy="2606039"/>
+          </a:xfrm>
+        </p:spPr>
+        <p:txBody>
+          <a:bodyPr>
+            <a:noAutofit/>
+          </a:bodyPr>
+          <a:lstStyle>
+            <a:lvl1pPr>
+              <a:lnSpc>
+                <a:spcPct val="100000"/>
+              </a:lnSpc>
+              <a:spcAft>
+                <a:spcPts val="600"/>
+              </a:spcAft>
+              <a:defRPr sz="2400">
+                <a:solidFill>
+                  <a:srgbClr val="232F3E"/>
+                </a:solidFill>
+              </a:defRPr>
+            </a:lvl1pPr>
+            <a:lvl2pPr marL="461963" indent="-228600">
+              <a:lnSpc>
+                <a:spcPct val="100000"/>
+              </a:lnSpc>
+              <a:spcAft>
+                <a:spcPts val="600"/>
+              </a:spcAft>
+              <a:defRPr sz="2000">
+                <a:solidFill>
+                  <a:srgbClr val="232F3E"/>
+                </a:solidFill>
+              </a:defRPr>
+            </a:lvl2pPr>
+            <a:lvl3pPr marL="684213" indent="-228600">
+              <a:lnSpc>
+                <a:spcPct val="100000"/>
+              </a:lnSpc>
+              <a:spcAft>
+                <a:spcPts val="600"/>
+              </a:spcAft>
+              <a:defRPr sz="1800">
+                <a:solidFill>
+                  <a:srgbClr val="232F3E"/>
+                </a:solidFill>
+              </a:defRPr>
+            </a:lvl3pPr>
+            <a:lvl4pPr marL="914400" indent="-228600">
+              <a:lnSpc>
+                <a:spcPct val="100000"/>
+              </a:lnSpc>
+              <a:spcAft>
+                <a:spcPts val="600"/>
+              </a:spcAft>
+              <a:defRPr sz="1600">
+                <a:solidFill>
+                  <a:srgbClr val="232F3E"/>
+                </a:solidFill>
+              </a:defRPr>
+            </a:lvl4pPr>
+            <a:lvl5pPr marL="1144588" indent="-228600">
+              <a:lnSpc>
+                <a:spcPct val="100000"/>
+              </a:lnSpc>
+              <a:spcAft>
+                <a:spcPts val="600"/>
+              </a:spcAft>
+              <a:defRPr sz="1600">
+                <a:solidFill>
+                  <a:srgbClr val="232F3E"/>
+                </a:solidFill>
+              </a:defRPr>
+            </a:lvl5pPr>
+          </a:lstStyle>
+          <a:p>
+            <a:pPr lvl="0"/>
+            <a:r>
+              <a:rPr lang="en-US" dirty="0"/>
+              <a:t>Add content text</a:t>
+            </a:r>
+          </a:p>
+          <a:p>
+            <a:pPr lvl="1"/>
+            <a:r>
+              <a:rPr lang="en-US" dirty="0"/>
+              <a:t>Second level</a:t>
+            </a:r>
+          </a:p>
+          <a:p>
+            <a:pPr lvl="2"/>
+            <a:r>
+              <a:rPr lang="en-US" dirty="0"/>
+              <a:t>Third level</a:t>
+            </a:r>
+          </a:p>
+          <a:p>
+            <a:pPr lvl="3"/>
+            <a:r>
+              <a:rPr lang="en-US" dirty="0"/>
+              <a:t>Avoid using fourth  level</a:t>
+            </a:r>
+          </a:p>
+          <a:p>
+            <a:pPr lvl="4"/>
+            <a:r>
+              <a:rPr lang="en-US" dirty="0"/>
+              <a:t>Avoid using fifth level</a:t>
+            </a:r>
+          </a:p>
+        </p:txBody>
+      </p:sp>
+      <p:sp>
+        <p:nvSpPr>
+          <p:cNvPr id="16" name="Content">
+            <a:extLst>
+              <a:ext uri="{FF2B5EF4-FFF2-40B4-BE49-F238E27FC236}">
+                <a16:creationId xmlns:a16="http://schemas.microsoft.com/office/drawing/2014/main" id="{491463B2-896E-48DF-883B-3A270A6CA491}"/>
+              </a:ext>
+            </a:extLst>
+          </p:cNvPr>
+          <p:cNvSpPr>
+            <a:spLocks noGrp="1"/>
+          </p:cNvSpPr>
+          <p:nvPr>
+            <p:ph idx="98" hasCustomPrompt="1"/>
+          </p:nvPr>
+        </p:nvSpPr>
+        <p:spPr>
+          <a:xfrm>
+            <a:off x="365760" y="1165536"/>
+            <a:ext cx="11466576" cy="2006307"/>
+          </a:xfrm>
+        </p:spPr>
+        <p:txBody>
+          <a:bodyPr>
+            <a:noAutofit/>
+          </a:bodyPr>
+          <a:lstStyle>
+            <a:lvl1pPr>
+              <a:lnSpc>
+                <a:spcPct val="100000"/>
+              </a:lnSpc>
+              <a:spcBef>
+                <a:spcPts val="1000"/>
+              </a:spcBef>
+              <a:spcAft>
+                <a:spcPts val="600"/>
+              </a:spcAft>
+              <a:buClr>
+                <a:schemeClr val="tx2"/>
+              </a:buClr>
+              <a:defRPr>
+                <a:solidFill>
+                  <a:srgbClr val="232F3E"/>
+                </a:solidFill>
+              </a:defRPr>
+            </a:lvl1pPr>
+            <a:lvl2pPr marL="457200" indent="-223838">
+              <a:lnSpc>
+                <a:spcPct val="100000"/>
+              </a:lnSpc>
+              <a:spcBef>
+                <a:spcPts val="500"/>
+              </a:spcBef>
+              <a:spcAft>
+                <a:spcPts val="600"/>
+              </a:spcAft>
+              <a:buClr>
+                <a:schemeClr val="tx2"/>
+              </a:buClr>
+              <a:tabLst/>
+              <a:defRPr>
+                <a:solidFill>
+                  <a:srgbClr val="232F3E"/>
+                </a:solidFill>
+              </a:defRPr>
+            </a:lvl2pPr>
+            <a:lvl3pPr marL="685800" indent="-228600">
+              <a:lnSpc>
+                <a:spcPct val="100000"/>
+              </a:lnSpc>
+              <a:spcBef>
+                <a:spcPts val="500"/>
+              </a:spcBef>
+              <a:spcAft>
+                <a:spcPts val="600"/>
+              </a:spcAft>
+              <a:buClr>
+                <a:schemeClr val="tx2"/>
+              </a:buClr>
+              <a:tabLst/>
+              <a:defRPr sz="2000">
+                <a:solidFill>
+                  <a:srgbClr val="232F3E"/>
+                </a:solidFill>
+              </a:defRPr>
+            </a:lvl3pPr>
+            <a:lvl4pPr marL="914400" indent="-228600">
+              <a:lnSpc>
+                <a:spcPct val="100000"/>
+              </a:lnSpc>
+              <a:spcBef>
+                <a:spcPts val="500"/>
+              </a:spcBef>
+              <a:spcAft>
+                <a:spcPts val="600"/>
+              </a:spcAft>
+              <a:buClr>
+                <a:schemeClr val="tx2"/>
+              </a:buClr>
+              <a:tabLst/>
+              <a:defRPr>
+                <a:solidFill>
+                  <a:srgbClr val="232F3E"/>
+                </a:solidFill>
+              </a:defRPr>
+            </a:lvl4pPr>
+            <a:lvl5pPr marL="1147763" indent="-233363">
+              <a:lnSpc>
+                <a:spcPct val="100000"/>
+              </a:lnSpc>
+              <a:spcBef>
+                <a:spcPts val="500"/>
+              </a:spcBef>
+              <a:spcAft>
+                <a:spcPts val="600"/>
+              </a:spcAft>
+              <a:buClr>
+                <a:schemeClr val="tx2"/>
+              </a:buClr>
+              <a:buFont typeface="Arial" panose="020B0604020202020204" pitchFamily="34" charset="0"/>
+              <a:buChar char="•"/>
+              <a:tabLst/>
+              <a:defRPr sz="1800">
+                <a:solidFill>
+                  <a:srgbClr val="232F3E"/>
+                </a:solidFill>
+              </a:defRPr>
+            </a:lvl5pPr>
+          </a:lstStyle>
+          <a:p>
+            <a:pPr lvl="0"/>
+            <a:r>
+              <a:rPr lang="en-US" dirty="0"/>
+              <a:t>Add content text</a:t>
+            </a:r>
+          </a:p>
+        </p:txBody>
+      </p:sp>
+      <p:pic>
+        <p:nvPicPr>
+          <p:cNvPr id="17" name="Divider">
+            <a:extLst>
+              <a:ext uri="{FF2B5EF4-FFF2-40B4-BE49-F238E27FC236}">
+                <a16:creationId xmlns:a16="http://schemas.microsoft.com/office/drawing/2014/main" id="{F0571610-941B-42FC-ADE6-CDD64B0C5620}"/>
+              </a:ext>
+              <a:ext uri="{C183D7F6-B498-43B3-948B-1728B52AA6E4}">
+                <adec:decorative xmlns:adec="http://schemas.microsoft.com/office/drawing/2017/decorative" val="1"/>
+              </a:ext>
+            </a:extLst>
+          </p:cNvPr>
+          <p:cNvPicPr>
+            <a:picLocks/>
+          </p:cNvPicPr>
+          <p:nvPr userDrawn="1"/>
+        </p:nvPicPr>
+        <p:blipFill>
+          <a:blip r:embed="rId4">
+            <a:extLst>
+              <a:ext uri="{28A0092B-C50C-407E-A947-70E740481C1C}">
+                <a14:useLocalDpi xmlns:a14="http://schemas.microsoft.com/office/drawing/2010/main" val="0"/>
+              </a:ext>
+            </a:extLst>
+          </a:blip>
+          <a:stretch>
+            <a:fillRect/>
+          </a:stretch>
+        </p:blipFill>
+        <p:spPr>
+          <a:xfrm>
+            <a:off x="365759" y="1028377"/>
+            <a:ext cx="11484864" cy="45720"/>
+          </a:xfrm>
+          <a:prstGeom prst="rect">
+            <a:avLst/>
+          </a:prstGeom>
+        </p:spPr>
+      </p:pic>
+    </p:spTree>
+    <p:custDataLst>
+      <p:tags r:id="rId1"/>
+    </p:custDataLst>
+    <p:extLst>
+      <p:ext uri="{BB962C8B-B14F-4D97-AF65-F5344CB8AC3E}">
+        <p14:creationId xmlns:p14="http://schemas.microsoft.com/office/powerpoint/2010/main" val="142132171"/>
+      </p:ext>
+    </p:extLst>
+  </p:cSld>
+  <p:clrMapOvr>
+    <a:masterClrMapping/>
+  </p:clrMapOvr>
+</p:sldLayout>
+</file>
+
+<file path=ppt/slideLayouts/slideLayout14.xml><?xml version="1.0" encoding="utf-8"?>
+<p:sldLayout xmlns:a="http://schemas.openxmlformats.org/drawingml/2006/main" xmlns:r="http://schemas.openxmlformats.org/officeDocument/2006/relationships" xmlns:p="http://schemas.openxmlformats.org/presentationml/2006/main" preserve="1" userDrawn="1">
+  <p:cSld name="1_Title, 3 Headers, and 3 Text Columns">
+    <p:bg>
+      <p:bgPr>
+        <a:solidFill>
+          <a:schemeClr val="bg1"/>
+        </a:solidFill>
+        <a:effectLst/>
+      </p:bgPr>
+    </p:bg>
+    <p:spTree>
+      <p:nvGrpSpPr>
+        <p:cNvPr id="1" name=""/>
+        <p:cNvGrpSpPr/>
+        <p:nvPr/>
+      </p:nvGrpSpPr>
+      <p:grpSpPr>
+        <a:xfrm>
+          <a:off x="0" y="0"/>
+          <a:ext cx="0" cy="0"/>
+          <a:chOff x="0" y="0"/>
+          <a:chExt cx="0" cy="0"/>
+        </a:xfrm>
+      </p:grpSpPr>
+      <p:pic>
+        <p:nvPicPr>
+          <p:cNvPr id="99" name="Background">
+            <a:extLst>
+              <a:ext uri="{FF2B5EF4-FFF2-40B4-BE49-F238E27FC236}">
+                <a16:creationId xmlns:a16="http://schemas.microsoft.com/office/drawing/2014/main" id="{5E94278F-C163-4179-AC1B-35DE088D94AB}"/>
+              </a:ext>
+            </a:extLst>
+          </p:cNvPr>
+          <p:cNvPicPr>
+            <a:picLocks/>
+          </p:cNvPicPr>
+          <p:nvPr/>
+        </p:nvPicPr>
+        <p:blipFill>
+          <a:blip r:embed="rId3">
+            <a:extLst>
+              <a:ext uri="{28A0092B-C50C-407E-A947-70E740481C1C}">
+                <a14:useLocalDpi xmlns:a14="http://schemas.microsoft.com/office/drawing/2010/main" val="0"/>
+              </a:ext>
+            </a:extLst>
+          </a:blip>
+          <a:stretch>
+            <a:fillRect/>
+          </a:stretch>
+        </p:blipFill>
+        <p:spPr>
+          <a:xfrm>
+            <a:off x="359665" y="2381537"/>
+            <a:ext cx="11466576" cy="440329"/>
+          </a:xfrm>
+          <a:prstGeom prst="rect">
+            <a:avLst/>
+          </a:prstGeom>
+        </p:spPr>
+      </p:pic>
+      <p:sp>
+        <p:nvSpPr>
+          <p:cNvPr id="97" name="Slide Number">
+            <a:extLst>
+              <a:ext uri="{FF2B5EF4-FFF2-40B4-BE49-F238E27FC236}">
+                <a16:creationId xmlns:a16="http://schemas.microsoft.com/office/drawing/2014/main" id="{D472F160-9C3B-4BD6-99BB-267BDD7DD312}"/>
+              </a:ext>
+            </a:extLst>
+          </p:cNvPr>
+          <p:cNvSpPr>
+            <a:spLocks noGrp="1"/>
+          </p:cNvSpPr>
+          <p:nvPr>
+            <p:ph type="sldNum" idx="97"/>
+          </p:nvPr>
+        </p:nvSpPr>
+        <p:spPr>
+          <a:xfrm>
+            <a:off x="11347704" y="6446520"/>
+            <a:ext cx="484632" cy="228600"/>
+          </a:xfrm>
+        </p:spPr>
+        <p:txBody>
+          <a:bodyPr/>
+          <a:lstStyle>
+            <a:lvl1pPr>
+              <a:defRPr>
+                <a:solidFill>
+                  <a:srgbClr val="232F3E"/>
+                </a:solidFill>
+              </a:defRPr>
+            </a:lvl1pPr>
+          </a:lstStyle>
+          <a:p>
+            <a:fld id="{4037B1B0-0345-4E15-985A-6BECCDBE474F}" type="slidenum">
+              <a:rPr lang="en-US" smtClean="0"/>
+              <a:pPr/>
+              <a:t>‹#›</a:t>
+            </a:fld>
+            <a:endParaRPr lang="en-US" dirty="0"/>
+          </a:p>
+        </p:txBody>
+      </p:sp>
+      <p:sp>
+        <p:nvSpPr>
+          <p:cNvPr id="5" name="Title">
+            <a:extLst>
+              <a:ext uri="{FF2B5EF4-FFF2-40B4-BE49-F238E27FC236}">
+                <a16:creationId xmlns:a16="http://schemas.microsoft.com/office/drawing/2014/main" id="{75DBD6AA-5E11-44A8-900B-2519518B0622}"/>
+              </a:ext>
+            </a:extLst>
+          </p:cNvPr>
+          <p:cNvSpPr>
+            <a:spLocks noGrp="1"/>
+          </p:cNvSpPr>
+          <p:nvPr>
+            <p:ph type="title" idx="1" hasCustomPrompt="1"/>
+          </p:nvPr>
+        </p:nvSpPr>
+        <p:spPr>
+          <a:xfrm>
+            <a:off x="365760" y="301752"/>
+            <a:ext cx="11466576" cy="731318"/>
+          </a:xfrm>
+        </p:spPr>
+        <p:txBody>
+          <a:bodyPr/>
+          <a:lstStyle>
+            <a:lvl1pPr>
+              <a:defRPr>
+                <a:solidFill>
+                  <a:srgbClr val="232F3E"/>
+                </a:solidFill>
+                <a:latin typeface="Amazon Ember Display Heavy"/>
+              </a:defRPr>
+            </a:lvl1pPr>
+          </a:lstStyle>
+          <a:p>
+            <a:r>
+              <a:rPr lang="en-US" dirty="0"/>
+              <a:t>Title, 3 headers, and 3 text columns</a:t>
+            </a:r>
+          </a:p>
+        </p:txBody>
+      </p:sp>
+      <p:sp>
+        <p:nvSpPr>
+          <p:cNvPr id="12" name="Content Header Left">
+            <a:extLst>
+              <a:ext uri="{FF2B5EF4-FFF2-40B4-BE49-F238E27FC236}">
+                <a16:creationId xmlns:a16="http://schemas.microsoft.com/office/drawing/2014/main" id="{CEBB69C5-28A4-4F99-A9FE-572F9D53CF4E}"/>
+              </a:ext>
+            </a:extLst>
+          </p:cNvPr>
+          <p:cNvSpPr>
+            <a:spLocks noGrp="1"/>
+          </p:cNvSpPr>
+          <p:nvPr>
+            <p:ph type="body" idx="12" hasCustomPrompt="1"/>
+          </p:nvPr>
+        </p:nvSpPr>
+        <p:spPr>
+          <a:xfrm>
+            <a:off x="359665" y="2381537"/>
+            <a:ext cx="3749040" cy="440329"/>
+          </a:xfrm>
+          <a:noFill/>
+          <a:ln>
+            <a:noFill/>
+          </a:ln>
+        </p:spPr>
+        <p:txBody>
+          <a:bodyPr anchor="ctr">
+            <a:noAutofit/>
+          </a:bodyPr>
+          <a:lstStyle>
+            <a:lvl1pPr marL="60325" indent="0">
+              <a:spcBef>
+                <a:spcPts val="0"/>
+              </a:spcBef>
+              <a:spcAft>
+                <a:spcPts val="0"/>
+              </a:spcAft>
+              <a:buNone/>
+              <a:defRPr sz="2400" b="0">
+                <a:solidFill>
+                  <a:schemeClr val="bg1"/>
+                </a:solidFill>
+                <a:latin typeface="Amazon Ember Display"/>
+              </a:defRPr>
+            </a:lvl1pPr>
+          </a:lstStyle>
+          <a:p>
+            <a:pPr lvl="0"/>
+            <a:r>
+              <a:rPr lang="en-US" dirty="0"/>
+              <a:t>Enter header text</a:t>
+            </a:r>
+          </a:p>
+        </p:txBody>
+      </p:sp>
+      <p:sp>
+        <p:nvSpPr>
+          <p:cNvPr id="2" name="Content Left">
+            <a:extLst>
+              <a:ext uri="{FF2B5EF4-FFF2-40B4-BE49-F238E27FC236}">
+                <a16:creationId xmlns:a16="http://schemas.microsoft.com/office/drawing/2014/main" id="{5ACBD598-6775-4223-B2AB-B169A112E3FF}"/>
+              </a:ext>
+            </a:extLst>
+          </p:cNvPr>
+          <p:cNvSpPr>
+            <a:spLocks noGrp="1"/>
+          </p:cNvSpPr>
+          <p:nvPr>
+            <p:ph type="body" idx="2" hasCustomPrompt="1"/>
+          </p:nvPr>
+        </p:nvSpPr>
+        <p:spPr>
+          <a:xfrm>
+            <a:off x="365760" y="2931864"/>
+            <a:ext cx="3749040" cy="3505511"/>
+          </a:xfrm>
+        </p:spPr>
+        <p:txBody>
+          <a:bodyPr>
+            <a:noAutofit/>
+          </a:bodyPr>
+          <a:lstStyle>
+            <a:lvl1pPr>
+              <a:lnSpc>
+                <a:spcPct val="100000"/>
+              </a:lnSpc>
+              <a:spcAft>
+                <a:spcPts val="600"/>
+              </a:spcAft>
+              <a:defRPr sz="2800">
+                <a:solidFill>
+                  <a:srgbClr val="232F3E"/>
+                </a:solidFill>
+              </a:defRPr>
+            </a:lvl1pPr>
+            <a:lvl2pPr marL="461963" indent="-228600">
+              <a:lnSpc>
+                <a:spcPct val="100000"/>
+              </a:lnSpc>
+              <a:spcAft>
+                <a:spcPts val="600"/>
+              </a:spcAft>
+              <a:defRPr sz="2400">
+                <a:solidFill>
+                  <a:srgbClr val="232F3E"/>
+                </a:solidFill>
+              </a:defRPr>
+            </a:lvl2pPr>
+            <a:lvl3pPr marL="684213" indent="-228600">
+              <a:lnSpc>
+                <a:spcPct val="100000"/>
+              </a:lnSpc>
+              <a:spcAft>
+                <a:spcPts val="600"/>
+              </a:spcAft>
+              <a:defRPr sz="2000">
+                <a:solidFill>
+                  <a:srgbClr val="232F3E"/>
+                </a:solidFill>
+              </a:defRPr>
+            </a:lvl3pPr>
+            <a:lvl4pPr marL="914400" indent="-228600">
+              <a:lnSpc>
+                <a:spcPct val="100000"/>
+              </a:lnSpc>
+              <a:spcAft>
+                <a:spcPts val="600"/>
+              </a:spcAft>
+              <a:defRPr sz="1800">
+                <a:solidFill>
+                  <a:srgbClr val="232F3E"/>
+                </a:solidFill>
+              </a:defRPr>
+            </a:lvl4pPr>
+            <a:lvl5pPr marL="1144588" indent="-228600">
+              <a:lnSpc>
+                <a:spcPct val="100000"/>
+              </a:lnSpc>
+              <a:spcAft>
+                <a:spcPts val="600"/>
+              </a:spcAft>
+              <a:defRPr sz="1800">
+                <a:solidFill>
+                  <a:srgbClr val="232F3E"/>
+                </a:solidFill>
+              </a:defRPr>
+            </a:lvl5pPr>
+          </a:lstStyle>
+          <a:p>
+            <a:pPr lvl="0"/>
+            <a:r>
+              <a:rPr lang="en-US" dirty="0"/>
+              <a:t>Add content text</a:t>
+            </a:r>
+          </a:p>
+          <a:p>
+            <a:pPr lvl="1"/>
+            <a:r>
+              <a:rPr lang="en-US" dirty="0"/>
+              <a:t>Second level</a:t>
+            </a:r>
+          </a:p>
+          <a:p>
+            <a:pPr lvl="2"/>
+            <a:r>
+              <a:rPr lang="en-US" dirty="0"/>
+              <a:t>Third level</a:t>
+            </a:r>
+          </a:p>
+          <a:p>
+            <a:pPr lvl="3"/>
+            <a:r>
+              <a:rPr lang="en-US" dirty="0"/>
+              <a:t>Avoid using fourth  level</a:t>
+            </a:r>
+          </a:p>
+          <a:p>
+            <a:pPr lvl="4"/>
+            <a:r>
+              <a:rPr lang="en-US" dirty="0"/>
+              <a:t>Avoid using fifth level</a:t>
+            </a:r>
+          </a:p>
+        </p:txBody>
+      </p:sp>
+      <p:sp>
+        <p:nvSpPr>
+          <p:cNvPr id="13" name="Content Header Middle">
+            <a:extLst>
+              <a:ext uri="{FF2B5EF4-FFF2-40B4-BE49-F238E27FC236}">
+                <a16:creationId xmlns:a16="http://schemas.microsoft.com/office/drawing/2014/main" id="{04C41CFA-9BF9-474A-89A9-E22790A538E2}"/>
+              </a:ext>
+            </a:extLst>
+          </p:cNvPr>
+          <p:cNvSpPr>
+            <a:spLocks noGrp="1"/>
+          </p:cNvSpPr>
+          <p:nvPr>
+            <p:ph type="body" idx="13" hasCustomPrompt="1"/>
+          </p:nvPr>
+        </p:nvSpPr>
+        <p:spPr>
+          <a:xfrm>
+            <a:off x="4224528" y="2381537"/>
+            <a:ext cx="3749040" cy="440329"/>
+          </a:xfrm>
+          <a:noFill/>
+          <a:ln>
+            <a:noFill/>
+          </a:ln>
+        </p:spPr>
+        <p:txBody>
+          <a:bodyPr anchor="ctr">
+            <a:noAutofit/>
+          </a:bodyPr>
+          <a:lstStyle>
+            <a:lvl1pPr marL="60325" indent="0">
+              <a:spcBef>
+                <a:spcPts val="0"/>
+              </a:spcBef>
+              <a:spcAft>
+                <a:spcPts val="0"/>
+              </a:spcAft>
+              <a:buNone/>
+              <a:defRPr sz="2400" b="0">
+                <a:solidFill>
+                  <a:schemeClr val="bg1"/>
+                </a:solidFill>
+                <a:latin typeface="Amazon Ember Display"/>
+              </a:defRPr>
+            </a:lvl1pPr>
+          </a:lstStyle>
+          <a:p>
+            <a:pPr lvl="0"/>
+            <a:r>
+              <a:rPr lang="en-US" dirty="0"/>
+              <a:t>Enter header text</a:t>
+            </a:r>
+          </a:p>
+        </p:txBody>
+      </p:sp>
+      <p:sp>
+        <p:nvSpPr>
+          <p:cNvPr id="3" name="Content Middle">
+            <a:extLst>
+              <a:ext uri="{FF2B5EF4-FFF2-40B4-BE49-F238E27FC236}">
+                <a16:creationId xmlns:a16="http://schemas.microsoft.com/office/drawing/2014/main" id="{7F5B85B9-BABC-44F6-B2AE-99F02670D702}"/>
+              </a:ext>
+            </a:extLst>
+          </p:cNvPr>
+          <p:cNvSpPr>
+            <a:spLocks noGrp="1"/>
+          </p:cNvSpPr>
+          <p:nvPr>
+            <p:ph type="body" idx="3" hasCustomPrompt="1"/>
+          </p:nvPr>
+        </p:nvSpPr>
+        <p:spPr>
+          <a:xfrm>
+            <a:off x="4224528" y="2931864"/>
+            <a:ext cx="3749040" cy="3505511"/>
+          </a:xfrm>
+        </p:spPr>
+        <p:txBody>
+          <a:bodyPr>
+            <a:noAutofit/>
+          </a:bodyPr>
+          <a:lstStyle>
+            <a:lvl1pPr>
+              <a:lnSpc>
+                <a:spcPct val="100000"/>
+              </a:lnSpc>
+              <a:spcAft>
+                <a:spcPts val="600"/>
+              </a:spcAft>
+              <a:defRPr sz="2800">
+                <a:solidFill>
+                  <a:srgbClr val="232F3E"/>
+                </a:solidFill>
+              </a:defRPr>
+            </a:lvl1pPr>
+            <a:lvl2pPr marL="461963" indent="-228600">
+              <a:lnSpc>
+                <a:spcPct val="100000"/>
+              </a:lnSpc>
+              <a:spcAft>
+                <a:spcPts val="600"/>
+              </a:spcAft>
+              <a:defRPr sz="2400">
+                <a:solidFill>
+                  <a:srgbClr val="232F3E"/>
+                </a:solidFill>
+              </a:defRPr>
+            </a:lvl2pPr>
+            <a:lvl3pPr marL="684213" indent="-228600">
+              <a:lnSpc>
+                <a:spcPct val="100000"/>
+              </a:lnSpc>
+              <a:spcAft>
+                <a:spcPts val="600"/>
+              </a:spcAft>
+              <a:defRPr sz="2000">
+                <a:solidFill>
+                  <a:srgbClr val="232F3E"/>
+                </a:solidFill>
+              </a:defRPr>
+            </a:lvl3pPr>
+            <a:lvl4pPr marL="914400" indent="-228600">
+              <a:lnSpc>
+                <a:spcPct val="100000"/>
+              </a:lnSpc>
+              <a:spcAft>
+                <a:spcPts val="600"/>
+              </a:spcAft>
+              <a:defRPr sz="1800">
+                <a:solidFill>
+                  <a:srgbClr val="232F3E"/>
+                </a:solidFill>
+              </a:defRPr>
+            </a:lvl4pPr>
+            <a:lvl5pPr marL="1144588" indent="-228600">
+              <a:lnSpc>
+                <a:spcPct val="100000"/>
+              </a:lnSpc>
+              <a:spcAft>
+                <a:spcPts val="600"/>
+              </a:spcAft>
+              <a:defRPr sz="1800">
+                <a:solidFill>
+                  <a:srgbClr val="232F3E"/>
+                </a:solidFill>
+              </a:defRPr>
+            </a:lvl5pPr>
+          </a:lstStyle>
+          <a:p>
+            <a:pPr lvl="0"/>
+            <a:r>
+              <a:rPr lang="en-US" dirty="0"/>
+              <a:t>Add content text</a:t>
+            </a:r>
+          </a:p>
+          <a:p>
+            <a:pPr lvl="1"/>
+            <a:r>
+              <a:rPr lang="en-US" dirty="0"/>
+              <a:t>Second level</a:t>
+            </a:r>
+          </a:p>
+          <a:p>
+            <a:pPr lvl="2"/>
+            <a:r>
+              <a:rPr lang="en-US" dirty="0"/>
+              <a:t>Third level</a:t>
+            </a:r>
+          </a:p>
+          <a:p>
+            <a:pPr lvl="3"/>
+            <a:r>
+              <a:rPr lang="en-US" dirty="0"/>
+              <a:t>Avoid using fourth  level</a:t>
+            </a:r>
+          </a:p>
+          <a:p>
+            <a:pPr lvl="4"/>
+            <a:r>
+              <a:rPr lang="en-US" dirty="0"/>
+              <a:t>Avoid using fifth level</a:t>
+            </a:r>
+          </a:p>
+        </p:txBody>
+      </p:sp>
+      <p:sp>
+        <p:nvSpPr>
+          <p:cNvPr id="14" name="Content Header Right">
+            <a:extLst>
+              <a:ext uri="{FF2B5EF4-FFF2-40B4-BE49-F238E27FC236}">
+                <a16:creationId xmlns:a16="http://schemas.microsoft.com/office/drawing/2014/main" id="{B3EBECE3-35F9-4AF4-A8A7-FD546C7C32D6}"/>
+              </a:ext>
+            </a:extLst>
+          </p:cNvPr>
+          <p:cNvSpPr>
+            <a:spLocks noGrp="1"/>
+          </p:cNvSpPr>
+          <p:nvPr>
+            <p:ph type="body" idx="14" hasCustomPrompt="1"/>
+          </p:nvPr>
+        </p:nvSpPr>
+        <p:spPr>
+          <a:xfrm>
+            <a:off x="8083296" y="2381537"/>
+            <a:ext cx="3749040" cy="440329"/>
+          </a:xfrm>
+          <a:noFill/>
+          <a:ln>
+            <a:noFill/>
+          </a:ln>
+        </p:spPr>
+        <p:txBody>
+          <a:bodyPr anchor="ctr">
+            <a:noAutofit/>
+          </a:bodyPr>
+          <a:lstStyle>
+            <a:lvl1pPr marL="60325" indent="0">
+              <a:spcBef>
+                <a:spcPts val="0"/>
+              </a:spcBef>
+              <a:spcAft>
+                <a:spcPts val="0"/>
+              </a:spcAft>
+              <a:buNone/>
+              <a:defRPr sz="2400" b="0">
+                <a:solidFill>
+                  <a:schemeClr val="bg1"/>
+                </a:solidFill>
+                <a:latin typeface="Amazon Ember Display"/>
+              </a:defRPr>
+            </a:lvl1pPr>
+          </a:lstStyle>
+          <a:p>
+            <a:pPr lvl="0"/>
+            <a:r>
+              <a:rPr lang="en-US" dirty="0"/>
+              <a:t>Enter header text</a:t>
+            </a:r>
+          </a:p>
+        </p:txBody>
+      </p:sp>
+      <p:sp>
+        <p:nvSpPr>
+          <p:cNvPr id="4" name="Content Right">
+            <a:extLst>
+              <a:ext uri="{FF2B5EF4-FFF2-40B4-BE49-F238E27FC236}">
+                <a16:creationId xmlns:a16="http://schemas.microsoft.com/office/drawing/2014/main" id="{92466994-EA21-45EA-9DC6-3C179254B3A8}"/>
+              </a:ext>
+            </a:extLst>
+          </p:cNvPr>
+          <p:cNvSpPr>
+            <a:spLocks noGrp="1"/>
+          </p:cNvSpPr>
+          <p:nvPr>
+            <p:ph type="body" idx="4" hasCustomPrompt="1"/>
+          </p:nvPr>
+        </p:nvSpPr>
+        <p:spPr>
+          <a:xfrm>
+            <a:off x="8083296" y="2950857"/>
+            <a:ext cx="3749040" cy="3483886"/>
+          </a:xfrm>
+        </p:spPr>
+        <p:txBody>
+          <a:bodyPr>
+            <a:noAutofit/>
+          </a:bodyPr>
+          <a:lstStyle>
+            <a:lvl1pPr>
+              <a:lnSpc>
+                <a:spcPct val="100000"/>
+              </a:lnSpc>
+              <a:spcAft>
+                <a:spcPts val="600"/>
+              </a:spcAft>
+              <a:defRPr sz="2800">
+                <a:solidFill>
+                  <a:srgbClr val="232F3E"/>
+                </a:solidFill>
+              </a:defRPr>
+            </a:lvl1pPr>
+            <a:lvl2pPr marL="461963" indent="-228600">
+              <a:lnSpc>
+                <a:spcPct val="100000"/>
+              </a:lnSpc>
+              <a:spcAft>
+                <a:spcPts val="600"/>
+              </a:spcAft>
+              <a:defRPr sz="2400">
+                <a:solidFill>
+                  <a:srgbClr val="232F3E"/>
+                </a:solidFill>
+              </a:defRPr>
+            </a:lvl2pPr>
+            <a:lvl3pPr marL="684213" indent="-228600">
+              <a:lnSpc>
+                <a:spcPct val="100000"/>
+              </a:lnSpc>
+              <a:spcAft>
+                <a:spcPts val="600"/>
+              </a:spcAft>
+              <a:defRPr sz="2000">
+                <a:solidFill>
+                  <a:srgbClr val="232F3E"/>
+                </a:solidFill>
+              </a:defRPr>
+            </a:lvl3pPr>
+            <a:lvl4pPr marL="914400" indent="-228600">
+              <a:lnSpc>
+                <a:spcPct val="100000"/>
+              </a:lnSpc>
+              <a:spcAft>
+                <a:spcPts val="600"/>
+              </a:spcAft>
+              <a:defRPr sz="1800">
+                <a:solidFill>
+                  <a:srgbClr val="232F3E"/>
+                </a:solidFill>
+              </a:defRPr>
+            </a:lvl4pPr>
+            <a:lvl5pPr marL="1144588" indent="-228600">
+              <a:lnSpc>
+                <a:spcPct val="100000"/>
+              </a:lnSpc>
+              <a:spcAft>
+                <a:spcPts val="600"/>
+              </a:spcAft>
+              <a:defRPr sz="1800">
+                <a:solidFill>
+                  <a:srgbClr val="232F3E"/>
+                </a:solidFill>
+              </a:defRPr>
+            </a:lvl5pPr>
+          </a:lstStyle>
+          <a:p>
+            <a:pPr lvl="0"/>
+            <a:r>
+              <a:rPr lang="en-US" dirty="0"/>
+              <a:t>Add content text</a:t>
+            </a:r>
+          </a:p>
+          <a:p>
+            <a:pPr lvl="1"/>
+            <a:r>
+              <a:rPr lang="en-US" dirty="0"/>
+              <a:t>Second level</a:t>
+            </a:r>
+          </a:p>
+          <a:p>
+            <a:pPr lvl="2"/>
+            <a:r>
+              <a:rPr lang="en-US" dirty="0"/>
+              <a:t>Third level</a:t>
+            </a:r>
+          </a:p>
+          <a:p>
+            <a:pPr lvl="3"/>
+            <a:r>
+              <a:rPr lang="en-US" dirty="0"/>
+              <a:t>Avoid using fourth  level</a:t>
+            </a:r>
+          </a:p>
+          <a:p>
+            <a:pPr lvl="4"/>
+            <a:r>
+              <a:rPr lang="en-US" dirty="0"/>
+              <a:t>Avoid using fifth level</a:t>
+            </a:r>
+          </a:p>
+        </p:txBody>
+      </p:sp>
+      <p:sp>
+        <p:nvSpPr>
+          <p:cNvPr id="11" name="Content">
+            <a:extLst>
+              <a:ext uri="{FF2B5EF4-FFF2-40B4-BE49-F238E27FC236}">
+                <a16:creationId xmlns:a16="http://schemas.microsoft.com/office/drawing/2014/main" id="{8724935B-B2B2-41D7-AFFE-E8AF7C32E107}"/>
+              </a:ext>
+            </a:extLst>
+          </p:cNvPr>
+          <p:cNvSpPr>
+            <a:spLocks noGrp="1"/>
+          </p:cNvSpPr>
+          <p:nvPr>
+            <p:ph idx="98" hasCustomPrompt="1"/>
+          </p:nvPr>
+        </p:nvSpPr>
+        <p:spPr>
+          <a:xfrm>
+            <a:off x="365760" y="1165536"/>
+            <a:ext cx="11466576" cy="1087010"/>
+          </a:xfrm>
+        </p:spPr>
+        <p:txBody>
+          <a:bodyPr>
+            <a:noAutofit/>
+          </a:bodyPr>
+          <a:lstStyle>
+            <a:lvl1pPr>
+              <a:lnSpc>
+                <a:spcPct val="100000"/>
+              </a:lnSpc>
+              <a:spcBef>
+                <a:spcPts val="1000"/>
+              </a:spcBef>
+              <a:spcAft>
+                <a:spcPts val="600"/>
+              </a:spcAft>
+              <a:buClr>
+                <a:schemeClr val="tx2"/>
+              </a:buClr>
+              <a:defRPr>
+                <a:solidFill>
+                  <a:srgbClr val="232F3E"/>
+                </a:solidFill>
+              </a:defRPr>
+            </a:lvl1pPr>
+            <a:lvl2pPr marL="457200" indent="-223838">
+              <a:lnSpc>
+                <a:spcPct val="100000"/>
+              </a:lnSpc>
+              <a:spcBef>
+                <a:spcPts val="500"/>
+              </a:spcBef>
+              <a:spcAft>
+                <a:spcPts val="600"/>
+              </a:spcAft>
+              <a:buClr>
+                <a:schemeClr val="tx2"/>
+              </a:buClr>
+              <a:tabLst/>
+              <a:defRPr>
+                <a:solidFill>
+                  <a:srgbClr val="232F3E"/>
+                </a:solidFill>
+              </a:defRPr>
+            </a:lvl2pPr>
+            <a:lvl3pPr marL="685800" indent="-228600">
+              <a:lnSpc>
+                <a:spcPct val="100000"/>
+              </a:lnSpc>
+              <a:spcBef>
+                <a:spcPts val="500"/>
+              </a:spcBef>
+              <a:spcAft>
+                <a:spcPts val="600"/>
+              </a:spcAft>
+              <a:buClr>
+                <a:schemeClr val="tx2"/>
+              </a:buClr>
+              <a:tabLst/>
+              <a:defRPr sz="2000">
+                <a:solidFill>
+                  <a:srgbClr val="232F3E"/>
+                </a:solidFill>
+              </a:defRPr>
+            </a:lvl3pPr>
+            <a:lvl4pPr marL="914400" indent="-228600">
+              <a:lnSpc>
+                <a:spcPct val="100000"/>
+              </a:lnSpc>
+              <a:spcBef>
+                <a:spcPts val="500"/>
+              </a:spcBef>
+              <a:spcAft>
+                <a:spcPts val="600"/>
+              </a:spcAft>
+              <a:buClr>
+                <a:schemeClr val="tx2"/>
+              </a:buClr>
+              <a:tabLst/>
+              <a:defRPr>
+                <a:solidFill>
+                  <a:srgbClr val="232F3E"/>
+                </a:solidFill>
+              </a:defRPr>
+            </a:lvl4pPr>
+            <a:lvl5pPr marL="1147763" indent="-233363">
+              <a:lnSpc>
+                <a:spcPct val="100000"/>
+              </a:lnSpc>
+              <a:spcBef>
+                <a:spcPts val="500"/>
+              </a:spcBef>
+              <a:spcAft>
+                <a:spcPts val="600"/>
+              </a:spcAft>
+              <a:buClr>
+                <a:schemeClr val="tx2"/>
+              </a:buClr>
+              <a:buFont typeface="Arial" panose="020B0604020202020204" pitchFamily="34" charset="0"/>
+              <a:buChar char="•"/>
+              <a:tabLst/>
+              <a:defRPr sz="1800">
+                <a:solidFill>
+                  <a:srgbClr val="232F3E"/>
+                </a:solidFill>
+              </a:defRPr>
+            </a:lvl5pPr>
+          </a:lstStyle>
+          <a:p>
+            <a:pPr lvl="0"/>
+            <a:r>
+              <a:rPr lang="en-US" dirty="0"/>
+              <a:t>Add content text</a:t>
+            </a:r>
+          </a:p>
+        </p:txBody>
+      </p:sp>
+      <p:pic>
+        <p:nvPicPr>
+          <p:cNvPr id="15" name="Divider">
+            <a:extLst>
+              <a:ext uri="{FF2B5EF4-FFF2-40B4-BE49-F238E27FC236}">
+                <a16:creationId xmlns:a16="http://schemas.microsoft.com/office/drawing/2014/main" id="{9AF45610-9691-409A-BD32-F1C3301D13C6}"/>
+              </a:ext>
+              <a:ext uri="{C183D7F6-B498-43B3-948B-1728B52AA6E4}">
+                <adec:decorative xmlns:adec="http://schemas.microsoft.com/office/drawing/2017/decorative" val="1"/>
+              </a:ext>
+            </a:extLst>
+          </p:cNvPr>
+          <p:cNvPicPr>
+            <a:picLocks/>
+          </p:cNvPicPr>
+          <p:nvPr userDrawn="1"/>
+        </p:nvPicPr>
+        <p:blipFill>
+          <a:blip r:embed="rId4">
+            <a:extLst>
+              <a:ext uri="{28A0092B-C50C-407E-A947-70E740481C1C}">
+                <a14:useLocalDpi xmlns:a14="http://schemas.microsoft.com/office/drawing/2010/main" val="0"/>
+              </a:ext>
+            </a:extLst>
+          </a:blip>
+          <a:stretch>
+            <a:fillRect/>
+          </a:stretch>
+        </p:blipFill>
+        <p:spPr>
+          <a:xfrm>
+            <a:off x="365759" y="1028377"/>
+            <a:ext cx="11484864" cy="45720"/>
+          </a:xfrm>
+          <a:prstGeom prst="rect">
+            <a:avLst/>
+          </a:prstGeom>
+        </p:spPr>
+      </p:pic>
+    </p:spTree>
+    <p:custDataLst>
+      <p:tags r:id="rId1"/>
+    </p:custDataLst>
+    <p:extLst>
+      <p:ext uri="{BB962C8B-B14F-4D97-AF65-F5344CB8AC3E}">
+        <p14:creationId xmlns:p14="http://schemas.microsoft.com/office/powerpoint/2010/main" val="731287953"/>
+      </p:ext>
+    </p:extLst>
+  </p:cSld>
+  <p:clrMapOvr>
+    <a:masterClrMapping/>
+  </p:clrMapOvr>
+</p:sldLayout>
+</file>
+
+<file path=ppt/slideLayouts/slideLayout15.xml><?xml version="1.0" encoding="utf-8"?>
+<p:sldLayout xmlns:a="http://schemas.openxmlformats.org/drawingml/2006/main" xmlns:r="http://schemas.openxmlformats.org/officeDocument/2006/relationships" xmlns:p="http://schemas.openxmlformats.org/presentationml/2006/main" showMasterSp="0" userDrawn="1">
+  <p:cSld name="2_Thank You">
+    <p:bg>
+      <p:bgPr>
+        <a:blipFill dpi="0" rotWithShape="1">
+          <a:blip r:embed="rId3">
+            <a:lum/>
+          </a:blip>
+          <a:srcRect/>
+          <a:stretch>
+            <a:fillRect/>
+          </a:stretch>
+        </a:blipFill>
+        <a:effectLst/>
+      </p:bgPr>
+    </p:bg>
+    <p:spTree>
+      <p:nvGrpSpPr>
+        <p:cNvPr id="1" name=""/>
+        <p:cNvGrpSpPr/>
+        <p:nvPr/>
+      </p:nvGrpSpPr>
+      <p:grpSpPr>
+        <a:xfrm>
+          <a:off x="0" y="0"/>
+          <a:ext cx="0" cy="0"/>
+          <a:chOff x="0" y="0"/>
+          <a:chExt cx="0" cy="0"/>
+        </a:xfrm>
+      </p:grpSpPr>
+      <p:sp>
+        <p:nvSpPr>
+          <p:cNvPr id="97" name="Slide Number">
+            <a:extLst>
+              <a:ext uri="{FF2B5EF4-FFF2-40B4-BE49-F238E27FC236}">
+                <a16:creationId xmlns:a16="http://schemas.microsoft.com/office/drawing/2014/main" id="{576AC153-25F3-4431-87F8-2E0931CF2549}"/>
+              </a:ext>
+            </a:extLst>
+          </p:cNvPr>
+          <p:cNvSpPr>
+            <a:spLocks noGrp="1"/>
+          </p:cNvSpPr>
+          <p:nvPr>
+            <p:ph type="sldNum" idx="97"/>
+          </p:nvPr>
+        </p:nvSpPr>
+        <p:spPr>
+          <a:xfrm>
+            <a:off x="11347704" y="6446520"/>
+            <a:ext cx="484632" cy="228600"/>
+          </a:xfrm>
+        </p:spPr>
+        <p:txBody>
+          <a:bodyPr/>
+          <a:lstStyle>
+            <a:lvl1pPr>
+              <a:defRPr>
+                <a:solidFill>
+                  <a:srgbClr val="232F3E"/>
+                </a:solidFill>
+              </a:defRPr>
+            </a:lvl1pPr>
+          </a:lstStyle>
+          <a:p>
+            <a:fld id="{86A8BF56-6CB3-514C-9A64-F39D95C9E25B}" type="slidenum">
+              <a:rPr lang="en-US" smtClean="0"/>
+              <a:t>‹#›</a:t>
+            </a:fld>
+            <a:endParaRPr lang="en-US" dirty="0"/>
+          </a:p>
+        </p:txBody>
+      </p:sp>
+      <p:sp>
+        <p:nvSpPr>
+          <p:cNvPr id="2" name="Title 1">
+            <a:extLst>
+              <a:ext uri="{FF2B5EF4-FFF2-40B4-BE49-F238E27FC236}">
+                <a16:creationId xmlns:a16="http://schemas.microsoft.com/office/drawing/2014/main" id="{483E0238-7303-4F06-B0DF-010000D82A4D}"/>
+              </a:ext>
+            </a:extLst>
+          </p:cNvPr>
+          <p:cNvSpPr>
+            <a:spLocks noGrp="1"/>
+          </p:cNvSpPr>
+          <p:nvPr>
+            <p:ph type="title" hasCustomPrompt="1"/>
+          </p:nvPr>
+        </p:nvSpPr>
+        <p:spPr>
+          <a:xfrm>
+            <a:off x="2249424" y="4242816"/>
+            <a:ext cx="4416552" cy="1446550"/>
+          </a:xfrm>
+        </p:spPr>
+        <p:txBody>
+          <a:bodyPr anchor="t" anchorCtr="0">
+            <a:spAutoFit/>
+          </a:bodyPr>
+          <a:lstStyle>
+            <a:lvl1pPr algn="ctr">
+              <a:lnSpc>
+                <a:spcPct val="100000"/>
+              </a:lnSpc>
+              <a:defRPr sz="4400">
+                <a:solidFill>
+                  <a:schemeClr val="bg1"/>
+                </a:solidFill>
+              </a:defRPr>
+            </a:lvl1pPr>
+          </a:lstStyle>
+          <a:p>
+            <a:r>
+              <a:rPr lang="en-US" dirty="0"/>
+              <a:t>Add thank you here</a:t>
+            </a:r>
+          </a:p>
+        </p:txBody>
+      </p:sp>
+      <p:sp>
+        <p:nvSpPr>
+          <p:cNvPr id="4" name="Text Placeholder 3">
+            <a:extLst>
+              <a:ext uri="{FF2B5EF4-FFF2-40B4-BE49-F238E27FC236}">
+                <a16:creationId xmlns:a16="http://schemas.microsoft.com/office/drawing/2014/main" id="{4EBEA89D-12E0-4832-BFEA-C24A9F451940}"/>
+              </a:ext>
+            </a:extLst>
+          </p:cNvPr>
+          <p:cNvSpPr>
+            <a:spLocks noGrp="1"/>
+          </p:cNvSpPr>
+          <p:nvPr>
+            <p:ph type="body" sz="quarter" idx="98" hasCustomPrompt="1"/>
+          </p:nvPr>
+        </p:nvSpPr>
+        <p:spPr>
+          <a:xfrm>
+            <a:off x="457200" y="5303520"/>
+            <a:ext cx="8001000" cy="1197864"/>
+          </a:xfrm>
+        </p:spPr>
+        <p:txBody>
+          <a:bodyPr>
+            <a:noAutofit/>
+          </a:bodyPr>
+          <a:lstStyle>
+            <a:lvl1pPr marL="0" indent="0">
+              <a:lnSpc>
+                <a:spcPct val="100000"/>
+              </a:lnSpc>
+              <a:spcBef>
+                <a:spcPts val="0"/>
+              </a:spcBef>
+              <a:buNone/>
+              <a:defRPr sz="1800">
+                <a:solidFill>
+                  <a:schemeClr val="bg1"/>
+                </a:solidFill>
+              </a:defRPr>
+            </a:lvl1pPr>
+            <a:lvl2pPr marL="457200" indent="0">
+              <a:buNone/>
+              <a:defRPr/>
+            </a:lvl2pPr>
+            <a:lvl3pPr marL="914400" indent="0">
+              <a:buNone/>
+              <a:defRPr/>
+            </a:lvl3pPr>
+            <a:lvl4pPr marL="1371600" indent="0">
+              <a:buNone/>
+              <a:defRPr/>
+            </a:lvl4pPr>
+            <a:lvl5pPr marL="1828800" indent="0">
+              <a:buNone/>
+              <a:defRPr/>
+            </a:lvl5pPr>
+          </a:lstStyle>
+          <a:p>
+            <a:pPr lvl="0"/>
+            <a:r>
+              <a:rPr lang="en-US" dirty="0"/>
+              <a:t>Enter the contact us text here</a:t>
+            </a:r>
+          </a:p>
+        </p:txBody>
+      </p:sp>
+    </p:spTree>
+    <p:custDataLst>
+      <p:tags r:id="rId1"/>
+    </p:custDataLst>
+    <p:extLst>
+      <p:ext uri="{BB962C8B-B14F-4D97-AF65-F5344CB8AC3E}">
+        <p14:creationId xmlns:p14="http://schemas.microsoft.com/office/powerpoint/2010/main" val="1978262146"/>
+      </p:ext>
+    </p:extLst>
+  </p:cSld>
+  <p:clrMapOvr>
+    <a:masterClrMapping/>
+  </p:clrMapOvr>
+</p:sldLayout>
+</file>
+
 <file path=ppt/slideLayouts/slideLayout2.xml><?xml version="1.0" encoding="utf-8"?>
 <p:sldLayout xmlns:a="http://schemas.openxmlformats.org/drawingml/2006/main" xmlns:r="http://schemas.openxmlformats.org/officeDocument/2006/relationships" xmlns:p="http://schemas.openxmlformats.org/presentationml/2006/main" showMasterSp="0" type="secHead" preserve="1">
   <p:cSld name="Quote slide">
@@ -9175,7 +12964,7 @@
           <a:p>
             <a:fld id="{E77B3F24-5937-D54F-9DCE-A8BE1BC632EC}" type="datetimeFigureOut">
               <a:rPr lang="en-US" smtClean="0"/>
-              <a:t>5/9/25</a:t>
+              <a:t>9/8/25</a:t>
             </a:fld>
             <a:endParaRPr lang="en-US"/>
           </a:p>
@@ -9290,6 +13079,11 @@
     <p:sldLayoutId id="2147483701" r:id="rId8"/>
     <p:sldLayoutId id="2147483702" r:id="rId9"/>
     <p:sldLayoutId id="2147483703" r:id="rId10"/>
+    <p:sldLayoutId id="2147483692" r:id="rId11"/>
+    <p:sldLayoutId id="2147483686" r:id="rId12"/>
+    <p:sldLayoutId id="2147483688" r:id="rId13"/>
+    <p:sldLayoutId id="2147483687" r:id="rId14"/>
+    <p:sldLayoutId id="2147483690" r:id="rId15"/>
   </p:sldLayoutIdLst>
   <p:txStyles>
     <p:titleStyle>
@@ -11549,7 +15343,7 @@
                 <a:solidFill>
                   <a:srgbClr val="232F3E"/>
                 </a:solidFill>
-                <a:latin typeface="Amazon Ember Display"/>
+                <a:latin typeface="Amazon Ember display"/>
               </a:rPr>
               <a:t>Positive CI values indicate that group A has more data points.</a:t>
             </a:r>
@@ -12168,7 +15962,7 @@
                 <a:solidFill>
                   <a:srgbClr val="232F3E"/>
                 </a:solidFill>
-                <a:latin typeface="Amazon Ember Display"/>
+                <a:latin typeface="Amazon Ember display"/>
               </a:rPr>
               <a:t>Positive DPL values indicate that the examples in group A have more positive outcomes.</a:t>
             </a:r>
@@ -12984,7 +16778,7 @@
                 <a:solidFill>
                   <a:srgbClr val="232F3E"/>
                 </a:solidFill>
-                <a:latin typeface="Amazon Ember Display"/>
+                <a:latin typeface="Amazon Ember display"/>
               </a:defRPr>
             </a:lvl1pPr>
             <a:lvl2pPr marL="457200" indent="-223838" algn="l" defTabSz="914400" rtl="0" eaLnBrk="1" latinLnBrk="0" hangingPunct="1">
@@ -13007,7 +16801,7 @@
                 <a:solidFill>
                   <a:srgbClr val="232F3E"/>
                 </a:solidFill>
-                <a:latin typeface="Amazon Ember Display"/>
+                <a:latin typeface="Amazon Ember display"/>
               </a:defRPr>
             </a:lvl2pPr>
             <a:lvl3pPr marL="685800" indent="-228600" algn="l" defTabSz="914400" rtl="0" eaLnBrk="1" latinLnBrk="0" hangingPunct="1">
@@ -13030,7 +16824,7 @@
                 <a:solidFill>
                   <a:srgbClr val="232F3E"/>
                 </a:solidFill>
-                <a:latin typeface="Amazon Ember Display"/>
+                <a:latin typeface="Amazon Ember display"/>
               </a:defRPr>
             </a:lvl3pPr>
             <a:lvl4pPr marL="914400" indent="-228600" algn="l" defTabSz="914400" rtl="0" eaLnBrk="1" latinLnBrk="0" hangingPunct="1">
@@ -13053,7 +16847,7 @@
                 <a:solidFill>
                   <a:srgbClr val="232F3E"/>
                 </a:solidFill>
-                <a:latin typeface="Amazon Ember Display"/>
+                <a:latin typeface="Amazon Ember display"/>
               </a:defRPr>
             </a:lvl4pPr>
             <a:lvl5pPr marL="1147763" indent="-233363" algn="l" defTabSz="914400" rtl="0" eaLnBrk="1" latinLnBrk="0" hangingPunct="1">
@@ -13076,7 +16870,7 @@
                 <a:solidFill>
                   <a:srgbClr val="232F3E"/>
                 </a:solidFill>
-                <a:latin typeface="Amazon Ember Display"/>
+                <a:latin typeface="Amazon Ember display"/>
               </a:defRPr>
             </a:lvl5pPr>
             <a:lvl6pPr marL="2514600" indent="-228600" algn="l" defTabSz="914400" rtl="0" eaLnBrk="1" latinLnBrk="0" hangingPunct="1">
@@ -13092,7 +16886,7 @@
                 <a:solidFill>
                   <a:schemeClr val="tx1"/>
                 </a:solidFill>
-                <a:latin typeface="Amazon Ember Display"/>
+                <a:latin typeface="Amazon Ember display"/>
               </a:defRPr>
             </a:lvl6pPr>
             <a:lvl7pPr marL="2971800" indent="-228600" algn="l" defTabSz="914400" rtl="0" eaLnBrk="1" latinLnBrk="0" hangingPunct="1">
@@ -13108,7 +16902,7 @@
                 <a:solidFill>
                   <a:schemeClr val="tx1"/>
                 </a:solidFill>
-                <a:latin typeface="Amazon Ember Display"/>
+                <a:latin typeface="Amazon Ember display"/>
               </a:defRPr>
             </a:lvl7pPr>
             <a:lvl8pPr marL="3429000" indent="-228600" algn="l" defTabSz="914400" rtl="0" eaLnBrk="1" latinLnBrk="0" hangingPunct="1">
@@ -13124,7 +16918,7 @@
                 <a:solidFill>
                   <a:schemeClr val="tx1"/>
                 </a:solidFill>
-                <a:latin typeface="Amazon Ember Display"/>
+                <a:latin typeface="Amazon Ember display"/>
               </a:defRPr>
             </a:lvl8pPr>
             <a:lvl9pPr marL="3886200" indent="-228600" algn="l" defTabSz="914400" rtl="0" eaLnBrk="1" latinLnBrk="0" hangingPunct="1">
@@ -13140,7 +16934,7 @@
                 <a:solidFill>
                   <a:schemeClr val="tx1"/>
                 </a:solidFill>
-                <a:latin typeface="Amazon Ember Display"/>
+                <a:latin typeface="Amazon Ember display"/>
               </a:defRPr>
             </a:lvl9pPr>
           </a:lstStyle>
@@ -15452,7 +19246,7 @@
                 <a:solidFill>
                   <a:srgbClr val="232F3E"/>
                 </a:solidFill>
-                <a:latin typeface="Amazon Ember Display"/>
+                <a:latin typeface="Amazon Ember display"/>
               </a:rPr>
               <a:t>Human-centered design (HCD) focuses on the human perspective when developing products, systems, and services.</a:t>
             </a:r>
@@ -15649,7 +19443,7 @@
                 <a:solidFill>
                   <a:srgbClr val="232F3E"/>
                 </a:solidFill>
-                <a:latin typeface="Amazon Ember Display"/>
+                <a:latin typeface="Amazon Ember display"/>
               </a:rPr>
               <a:t>HCD emphasizes that AI systems and ML solutions should consider the impact on humans.</a:t>
             </a:r>
@@ -15786,7 +19580,7 @@
                 <a:solidFill>
                   <a:srgbClr val="232F3E"/>
                 </a:solidFill>
-                <a:latin typeface="Amazon Ember Display"/>
+                <a:latin typeface="Amazon Ember display"/>
               </a:rPr>
               <a:t>Potential harms</a:t>
             </a:r>
@@ -15941,7 +19735,7 @@
                 <a:solidFill>
                   <a:srgbClr val="232F3E"/>
                 </a:solidFill>
-                <a:latin typeface="Amazon Ember Display"/>
+                <a:latin typeface="Amazon Ember display"/>
               </a:rPr>
               <a:t>Safety measures</a:t>
             </a:r>
@@ -16368,12 +20162,12 @@
         <p:spPr/>
         <p:txBody>
           <a:bodyPr>
-            <a:normAutofit fontScale="90000"/>
+            <a:noAutofit/>
           </a:bodyPr>
           <a:lstStyle/>
           <a:p>
             <a:r>
-              <a:rPr lang="en-US" dirty="0"/>
+              <a:rPr lang="en-US" sz="3600" dirty="0"/>
               <a:t>Better data integrity can reduce bias in the data</a:t>
             </a:r>
           </a:p>
@@ -16800,6 +20594,30 @@
 </file>
 
 <file path=ppt/tags/tag33.xml><?xml version="1.0" encoding="utf-8"?>
+<p:tagLst xmlns:a="http://schemas.openxmlformats.org/drawingml/2006/main" xmlns:r="http://schemas.openxmlformats.org/officeDocument/2006/relationships" xmlns:p="http://schemas.openxmlformats.org/presentationml/2006/main">
+  <p:tag name="ARTICULATE_SLIDE_THUMBNAIL_REFRESH" val="1"/>
+</p:tagLst>
+</file>
+
+<file path=ppt/tags/tag34.xml><?xml version="1.0" encoding="utf-8"?>
+<p:tagLst xmlns:a="http://schemas.openxmlformats.org/drawingml/2006/main" xmlns:r="http://schemas.openxmlformats.org/officeDocument/2006/relationships" xmlns:p="http://schemas.openxmlformats.org/presentationml/2006/main">
+  <p:tag name="ARTICULATE_SLIDE_THUMBNAIL_REFRESH" val="1"/>
+</p:tagLst>
+</file>
+
+<file path=ppt/tags/tag35.xml><?xml version="1.0" encoding="utf-8"?>
+<p:tagLst xmlns:a="http://schemas.openxmlformats.org/drawingml/2006/main" xmlns:r="http://schemas.openxmlformats.org/officeDocument/2006/relationships" xmlns:p="http://schemas.openxmlformats.org/presentationml/2006/main">
+  <p:tag name="ARTICULATE_SLIDE_THUMBNAIL_REFRESH" val="1"/>
+</p:tagLst>
+</file>
+
+<file path=ppt/tags/tag36.xml><?xml version="1.0" encoding="utf-8"?>
+<p:tagLst xmlns:a="http://schemas.openxmlformats.org/drawingml/2006/main" xmlns:r="http://schemas.openxmlformats.org/officeDocument/2006/relationships" xmlns:p="http://schemas.openxmlformats.org/presentationml/2006/main">
+  <p:tag name="ARTICULATE_SLIDE_THUMBNAIL_REFRESH" val="1"/>
+</p:tagLst>
+</file>
+
+<file path=ppt/tags/tag37.xml><?xml version="1.0" encoding="utf-8"?>
 <p:tagLst xmlns:a="http://schemas.openxmlformats.org/drawingml/2006/main" xmlns:r="http://schemas.openxmlformats.org/officeDocument/2006/relationships" xmlns:p="http://schemas.openxmlformats.org/presentationml/2006/main">
   <p:tag name="ARTICULATE_SLIDE_THUMBNAIL_REFRESH" val="1"/>
 </p:tagLst>
